--- a/PRESENTACION APP INVENTARIOS.pptx
+++ b/PRESENTACION APP INVENTARIOS.pptx
@@ -19,10 +19,11 @@
     <p:sldId id="274" r:id="rId13"/>
     <p:sldId id="265" r:id="rId14"/>
     <p:sldId id="269" r:id="rId15"/>
-    <p:sldId id="270" r:id="rId16"/>
-    <p:sldId id="271" r:id="rId17"/>
-    <p:sldId id="272" r:id="rId18"/>
-    <p:sldId id="266" r:id="rId19"/>
+    <p:sldId id="281" r:id="rId16"/>
+    <p:sldId id="279" r:id="rId17"/>
+    <p:sldId id="280" r:id="rId18"/>
+    <p:sldId id="272" r:id="rId19"/>
+    <p:sldId id="266" r:id="rId20"/>
   </p:sldIdLst>
   <p:sldSz cx="12192000" cy="6858000"/>
   <p:notesSz cx="6858000" cy="9144000"/>
@@ -7488,7 +7489,7 @@
             <a:fld id="{B61BEF0D-F0BB-DE4B-95CE-6DB70DBA9567}" type="datetimeFigureOut">
               <a:rPr lang="en-US" smtClean="0"/>
               <a:pPr/>
-              <a:t>11/2/2019</a:t>
+              <a:t>11/30/2019</a:t>
             </a:fld>
             <a:endParaRPr lang="en-US" dirty="0"/>
           </a:p>
@@ -7698,7 +7699,7 @@
             <a:fld id="{B61BEF0D-F0BB-DE4B-95CE-6DB70DBA9567}" type="datetimeFigureOut">
               <a:rPr lang="en-US" smtClean="0"/>
               <a:pPr/>
-              <a:t>11/2/2019</a:t>
+              <a:t>11/30/2019</a:t>
             </a:fld>
             <a:endParaRPr lang="en-US" dirty="0"/>
           </a:p>
@@ -7956,7 +7957,7 @@
             <a:fld id="{B61BEF0D-F0BB-DE4B-95CE-6DB70DBA9567}" type="datetimeFigureOut">
               <a:rPr lang="en-US" smtClean="0"/>
               <a:pPr/>
-              <a:t>11/2/2019</a:t>
+              <a:t>11/30/2019</a:t>
             </a:fld>
             <a:endParaRPr lang="en-US" dirty="0"/>
           </a:p>
@@ -8128,7 +8129,7 @@
             <a:fld id="{B61BEF0D-F0BB-DE4B-95CE-6DB70DBA9567}" type="datetimeFigureOut">
               <a:rPr lang="en-US" smtClean="0"/>
               <a:pPr/>
-              <a:t>11/2/2019</a:t>
+              <a:t>11/30/2019</a:t>
             </a:fld>
             <a:endParaRPr lang="en-US" dirty="0"/>
           </a:p>
@@ -8473,7 +8474,7 @@
             <a:fld id="{B61BEF0D-F0BB-DE4B-95CE-6DB70DBA9567}" type="datetimeFigureOut">
               <a:rPr lang="en-US" smtClean="0"/>
               <a:pPr/>
-              <a:t>11/2/2019</a:t>
+              <a:t>11/30/2019</a:t>
             </a:fld>
             <a:endParaRPr lang="en-US" dirty="0"/>
           </a:p>
@@ -8750,7 +8751,7 @@
             <a:fld id="{B61BEF0D-F0BB-DE4B-95CE-6DB70DBA9567}" type="datetimeFigureOut">
               <a:rPr lang="en-US" smtClean="0"/>
               <a:pPr/>
-              <a:t>11/2/2019</a:t>
+              <a:t>11/30/2019</a:t>
             </a:fld>
             <a:endParaRPr lang="en-US" dirty="0"/>
           </a:p>
@@ -9131,7 +9132,7 @@
             <a:fld id="{B61BEF0D-F0BB-DE4B-95CE-6DB70DBA9567}" type="datetimeFigureOut">
               <a:rPr lang="en-US" smtClean="0"/>
               <a:pPr/>
-              <a:t>11/2/2019</a:t>
+              <a:t>11/30/2019</a:t>
             </a:fld>
             <a:endParaRPr lang="en-US" dirty="0"/>
           </a:p>
@@ -9251,7 +9252,7 @@
             <a:fld id="{B61BEF0D-F0BB-DE4B-95CE-6DB70DBA9567}" type="datetimeFigureOut">
               <a:rPr lang="en-US" smtClean="0"/>
               <a:pPr/>
-              <a:t>11/2/2019</a:t>
+              <a:t>11/30/2019</a:t>
             </a:fld>
             <a:endParaRPr lang="en-US" dirty="0"/>
           </a:p>
@@ -9424,7 +9425,7 @@
             <a:fld id="{B61BEF0D-F0BB-DE4B-95CE-6DB70DBA9567}" type="datetimeFigureOut">
               <a:rPr lang="en-US" smtClean="0"/>
               <a:pPr/>
-              <a:t>11/2/2019</a:t>
+              <a:t>11/30/2019</a:t>
             </a:fld>
             <a:endParaRPr lang="en-US" dirty="0"/>
           </a:p>
@@ -9780,7 +9781,7 @@
             <a:fld id="{B61BEF0D-F0BB-DE4B-95CE-6DB70DBA9567}" type="datetimeFigureOut">
               <a:rPr lang="en-US" smtClean="0"/>
               <a:pPr/>
-              <a:t>11/2/2019</a:t>
+              <a:t>11/30/2019</a:t>
             </a:fld>
             <a:endParaRPr lang="en-US" dirty="0"/>
           </a:p>
@@ -10159,7 +10160,7 @@
             <a:fld id="{B61BEF0D-F0BB-DE4B-95CE-6DB70DBA9567}" type="datetimeFigureOut">
               <a:rPr lang="en-US" smtClean="0"/>
               <a:pPr/>
-              <a:t>11/2/2019</a:t>
+              <a:t>11/30/2019</a:t>
             </a:fld>
             <a:endParaRPr lang="en-US" dirty="0"/>
           </a:p>
@@ -10448,7 +10449,7 @@
             <a:fld id="{B61BEF0D-F0BB-DE4B-95CE-6DB70DBA9567}" type="datetimeFigureOut">
               <a:rPr lang="en-US" smtClean="0"/>
               <a:pPr/>
-              <a:t>11/2/2019</a:t>
+              <a:t>11/30/2019</a:t>
             </a:fld>
             <a:endParaRPr lang="en-US" dirty="0"/>
           </a:p>
@@ -12068,7 +12069,7 @@
         <p:spPr>
           <a:xfrm>
             <a:off x="779886" y="653949"/>
-            <a:ext cx="5408879" cy="646331"/>
+            <a:ext cx="6389540" cy="646331"/>
           </a:xfrm>
           <a:prstGeom prst="rect">
             <a:avLst/>
@@ -12096,7 +12097,7 @@
                 <a:ea typeface="+mj-ea"/>
                 <a:cs typeface="+mj-cs"/>
               </a:rPr>
-              <a:t>6. PROTOTIPO (Usuario)</a:t>
+              <a:t>6. PROTOTIPO  VS  APLICACIÓN</a:t>
             </a:r>
             <a:endParaRPr lang="es-419" sz="3600" b="1" u="sng" dirty="0">
               <a:solidFill>
@@ -12113,6 +12114,216 @@
               <a:ea typeface="+mj-ea"/>
               <a:cs typeface="+mj-cs"/>
             </a:endParaRPr>
+          </a:p>
+        </p:txBody>
+      </p:sp>
+      <p:sp>
+        <p:nvSpPr>
+          <p:cNvPr id="6" name="Rectángulo 3">
+            <a:extLst>
+              <a:ext uri="{FF2B5EF4-FFF2-40B4-BE49-F238E27FC236}">
+                <a16:creationId xmlns:a16="http://schemas.microsoft.com/office/drawing/2014/main" id="{373805F4-BE10-4362-A141-E6907D4B1B86}"/>
+              </a:ext>
+            </a:extLst>
+          </p:cNvPr>
+          <p:cNvSpPr/>
+          <p:nvPr/>
+        </p:nvSpPr>
+        <p:spPr>
+          <a:xfrm>
+            <a:off x="9687338" y="653949"/>
+            <a:ext cx="1848679" cy="830997"/>
+          </a:xfrm>
+          <a:prstGeom prst="rect">
+            <a:avLst/>
+          </a:prstGeom>
+        </p:spPr>
+        <p:style>
+          <a:lnRef idx="3">
+            <a:schemeClr val="lt1"/>
+          </a:lnRef>
+          <a:fillRef idx="1">
+            <a:schemeClr val="accent2"/>
+          </a:fillRef>
+          <a:effectRef idx="1">
+            <a:schemeClr val="accent2"/>
+          </a:effectRef>
+          <a:fontRef idx="minor">
+            <a:schemeClr val="lt1"/>
+          </a:fontRef>
+        </p:style>
+        <p:txBody>
+          <a:bodyPr wrap="square">
+            <a:spAutoFit/>
+          </a:bodyPr>
+          <a:lstStyle/>
+          <a:p>
+            <a:pPr algn="ctr"/>
+            <a:r>
+              <a:rPr lang="es-MX" sz="4800" b="1" dirty="0">
+                <a:solidFill>
+                  <a:schemeClr val="bg1"/>
+                </a:solidFill>
+                <a:effectLst>
+                  <a:outerShdw blurRad="38100" dist="38100" dir="2700000" algn="tl">
+                    <a:srgbClr val="000000">
+                      <a:alpha val="43137"/>
+                    </a:srgbClr>
+                  </a:outerShdw>
+                </a:effectLst>
+                <a:latin typeface="+mj-lt"/>
+                <a:ea typeface="+mj-ea"/>
+                <a:cs typeface="+mj-cs"/>
+              </a:rPr>
+              <a:t>LOGIN</a:t>
+            </a:r>
+            <a:endParaRPr lang="es-419" sz="4800" b="1" dirty="0">
+              <a:solidFill>
+                <a:schemeClr val="bg1"/>
+              </a:solidFill>
+              <a:effectLst>
+                <a:outerShdw blurRad="38100" dist="38100" dir="2700000" algn="tl">
+                  <a:srgbClr val="000000">
+                    <a:alpha val="43137"/>
+                  </a:srgbClr>
+                </a:outerShdw>
+              </a:effectLst>
+              <a:latin typeface="+mj-lt"/>
+              <a:ea typeface="+mj-ea"/>
+              <a:cs typeface="+mj-cs"/>
+            </a:endParaRPr>
+          </a:p>
+        </p:txBody>
+      </p:sp>
+      <p:pic>
+        <p:nvPicPr>
+          <p:cNvPr id="7" name="Imagen 6">
+            <a:extLst>
+              <a:ext uri="{FF2B5EF4-FFF2-40B4-BE49-F238E27FC236}">
+                <a16:creationId xmlns:a16="http://schemas.microsoft.com/office/drawing/2014/main" id="{45AE49CC-DCD8-4E3F-ACFD-6738A6AF25E6}"/>
+              </a:ext>
+            </a:extLst>
+          </p:cNvPr>
+          <p:cNvPicPr>
+            <a:picLocks noChangeAspect="1"/>
+          </p:cNvPicPr>
+          <p:nvPr/>
+        </p:nvPicPr>
+        <p:blipFill>
+          <a:blip r:embed="rId2"/>
+          <a:stretch>
+            <a:fillRect/>
+          </a:stretch>
+        </p:blipFill>
+        <p:spPr>
+          <a:xfrm>
+            <a:off x="779886" y="1820724"/>
+            <a:ext cx="2295525" cy="4383327"/>
+          </a:xfrm>
+          <a:prstGeom prst="rect">
+            <a:avLst/>
+          </a:prstGeom>
+        </p:spPr>
+      </p:pic>
+      <p:pic>
+        <p:nvPicPr>
+          <p:cNvPr id="2" name="Imagen 1">
+            <a:extLst>
+              <a:ext uri="{FF2B5EF4-FFF2-40B4-BE49-F238E27FC236}">
+                <a16:creationId xmlns:a16="http://schemas.microsoft.com/office/drawing/2014/main" id="{E4EBEF3C-FD2E-4592-BD43-B742BEE64070}"/>
+              </a:ext>
+            </a:extLst>
+          </p:cNvPr>
+          <p:cNvPicPr>
+            <a:picLocks noChangeAspect="1"/>
+          </p:cNvPicPr>
+          <p:nvPr/>
+        </p:nvPicPr>
+        <p:blipFill>
+          <a:blip r:embed="rId3"/>
+          <a:stretch>
+            <a:fillRect/>
+          </a:stretch>
+        </p:blipFill>
+        <p:spPr>
+          <a:xfrm>
+            <a:off x="3484287" y="1820724"/>
+            <a:ext cx="2744236" cy="4386381"/>
+          </a:xfrm>
+          <a:prstGeom prst="rect">
+            <a:avLst/>
+          </a:prstGeom>
+        </p:spPr>
+      </p:pic>
+      <p:sp>
+        <p:nvSpPr>
+          <p:cNvPr id="8" name="CuadroTexto 7">
+            <a:extLst>
+              <a:ext uri="{FF2B5EF4-FFF2-40B4-BE49-F238E27FC236}">
+                <a16:creationId xmlns:a16="http://schemas.microsoft.com/office/drawing/2014/main" id="{D1B5A43C-A79C-4EE8-AE27-8539BFC044A2}"/>
+              </a:ext>
+            </a:extLst>
+          </p:cNvPr>
+          <p:cNvSpPr txBox="1"/>
+          <p:nvPr/>
+        </p:nvSpPr>
+        <p:spPr>
+          <a:xfrm>
+            <a:off x="6758609" y="2431878"/>
+            <a:ext cx="4333461" cy="2862322"/>
+          </a:xfrm>
+          <a:prstGeom prst="rect">
+            <a:avLst/>
+          </a:prstGeom>
+          <a:noFill/>
+        </p:spPr>
+        <p:txBody>
+          <a:bodyPr wrap="square" rtlCol="0">
+            <a:spAutoFit/>
+          </a:bodyPr>
+          <a:lstStyle/>
+          <a:p>
+            <a:r>
+              <a:rPr lang="es-CO" sz="2000" dirty="0"/>
+              <a:t>Solo cuenta con el </a:t>
+            </a:r>
+            <a:r>
+              <a:rPr lang="es-CO" sz="2000" dirty="0" err="1"/>
+              <a:t>Login</a:t>
+            </a:r>
+            <a:r>
+              <a:rPr lang="es-CO" sz="2000" dirty="0"/>
+              <a:t> ya que es el administrador el encargado de crear los usuarios para que el acceso a la aplicación sea más limitado y confidencial.</a:t>
+            </a:r>
+          </a:p>
+          <a:p>
+            <a:endParaRPr lang="es-CO" sz="2000" dirty="0"/>
+          </a:p>
+          <a:p>
+            <a:r>
+              <a:rPr lang="es-CO" sz="2000" dirty="0"/>
+              <a:t>Solicita los siguientes datos:</a:t>
+            </a:r>
+          </a:p>
+          <a:p>
+            <a:pPr marL="342900" indent="-342900">
+              <a:buFont typeface="Arial" panose="020B0604020202020204" pitchFamily="34" charset="0"/>
+              <a:buChar char="•"/>
+            </a:pPr>
+            <a:r>
+              <a:rPr lang="es-CO" sz="2000" dirty="0"/>
+              <a:t>Usuario</a:t>
+            </a:r>
+          </a:p>
+          <a:p>
+            <a:pPr marL="342900" indent="-342900">
+              <a:buFont typeface="Arial" panose="020B0604020202020204" pitchFamily="34" charset="0"/>
+              <a:buChar char="•"/>
+            </a:pPr>
+            <a:r>
+              <a:rPr lang="es-CO" sz="2000" dirty="0"/>
+              <a:t>Contraseña</a:t>
+            </a:r>
           </a:p>
         </p:txBody>
       </p:sp>
@@ -12155,7 +12366,7 @@
         <p:spPr>
           <a:xfrm>
             <a:off x="779886" y="653949"/>
-            <a:ext cx="6773853" cy="646331"/>
+            <a:ext cx="6389540" cy="646331"/>
           </a:xfrm>
           <a:prstGeom prst="rect">
             <a:avLst/>
@@ -12183,7 +12394,7 @@
                 <a:ea typeface="+mj-ea"/>
                 <a:cs typeface="+mj-cs"/>
               </a:rPr>
-              <a:t>PROTOTIPO (Administrador)</a:t>
+              <a:t>6. PROTOTIPO  VS  APLICACIÓN</a:t>
             </a:r>
             <a:endParaRPr lang="es-419" sz="3600" b="1" u="sng" dirty="0">
               <a:solidFill>
@@ -12203,10 +12414,268 @@
           </a:p>
         </p:txBody>
       </p:sp>
+      <p:pic>
+        <p:nvPicPr>
+          <p:cNvPr id="2" name="Imagen 1">
+            <a:extLst>
+              <a:ext uri="{FF2B5EF4-FFF2-40B4-BE49-F238E27FC236}">
+                <a16:creationId xmlns:a16="http://schemas.microsoft.com/office/drawing/2014/main" id="{9FF2F3FD-7B01-4730-A6EE-59325FF7473C}"/>
+              </a:ext>
+            </a:extLst>
+          </p:cNvPr>
+          <p:cNvPicPr>
+            <a:picLocks noChangeAspect="1"/>
+          </p:cNvPicPr>
+          <p:nvPr/>
+        </p:nvPicPr>
+        <p:blipFill>
+          <a:blip r:embed="rId2"/>
+          <a:stretch>
+            <a:fillRect/>
+          </a:stretch>
+        </p:blipFill>
+        <p:spPr>
+          <a:xfrm>
+            <a:off x="157033" y="1921566"/>
+            <a:ext cx="1711524" cy="4065104"/>
+          </a:xfrm>
+          <a:prstGeom prst="rect">
+            <a:avLst/>
+          </a:prstGeom>
+        </p:spPr>
+      </p:pic>
+      <p:pic>
+        <p:nvPicPr>
+          <p:cNvPr id="3" name="Imagen 2">
+            <a:extLst>
+              <a:ext uri="{FF2B5EF4-FFF2-40B4-BE49-F238E27FC236}">
+                <a16:creationId xmlns:a16="http://schemas.microsoft.com/office/drawing/2014/main" id="{6A1B2D8C-F900-4566-A275-70483E1DAA50}"/>
+              </a:ext>
+            </a:extLst>
+          </p:cNvPr>
+          <p:cNvPicPr>
+            <a:picLocks noChangeAspect="1"/>
+          </p:cNvPicPr>
+          <p:nvPr/>
+        </p:nvPicPr>
+        <p:blipFill>
+          <a:blip r:embed="rId3"/>
+          <a:stretch>
+            <a:fillRect/>
+          </a:stretch>
+        </p:blipFill>
+        <p:spPr>
+          <a:xfrm>
+            <a:off x="1976025" y="1904556"/>
+            <a:ext cx="1711524" cy="4082114"/>
+          </a:xfrm>
+          <a:prstGeom prst="rect">
+            <a:avLst/>
+          </a:prstGeom>
+        </p:spPr>
+      </p:pic>
+      <p:pic>
+        <p:nvPicPr>
+          <p:cNvPr id="4" name="Imagen 3">
+            <a:extLst>
+              <a:ext uri="{FF2B5EF4-FFF2-40B4-BE49-F238E27FC236}">
+                <a16:creationId xmlns:a16="http://schemas.microsoft.com/office/drawing/2014/main" id="{E5350101-B795-476A-BB6E-21516B6DDDEB}"/>
+              </a:ext>
+            </a:extLst>
+          </p:cNvPr>
+          <p:cNvPicPr>
+            <a:picLocks noChangeAspect="1"/>
+          </p:cNvPicPr>
+          <p:nvPr/>
+        </p:nvPicPr>
+        <p:blipFill>
+          <a:blip r:embed="rId4"/>
+          <a:stretch>
+            <a:fillRect/>
+          </a:stretch>
+        </p:blipFill>
+        <p:spPr>
+          <a:xfrm>
+            <a:off x="3795017" y="1904556"/>
+            <a:ext cx="1711525" cy="4082114"/>
+          </a:xfrm>
+          <a:prstGeom prst="rect">
+            <a:avLst/>
+          </a:prstGeom>
+        </p:spPr>
+      </p:pic>
+      <p:sp>
+        <p:nvSpPr>
+          <p:cNvPr id="6" name="Rectángulo 3">
+            <a:extLst>
+              <a:ext uri="{FF2B5EF4-FFF2-40B4-BE49-F238E27FC236}">
+                <a16:creationId xmlns:a16="http://schemas.microsoft.com/office/drawing/2014/main" id="{373805F4-BE10-4362-A141-E6907D4B1B86}"/>
+              </a:ext>
+            </a:extLst>
+          </p:cNvPr>
+          <p:cNvSpPr/>
+          <p:nvPr/>
+        </p:nvSpPr>
+        <p:spPr>
+          <a:xfrm>
+            <a:off x="9687338" y="653949"/>
+            <a:ext cx="1848679" cy="830997"/>
+          </a:xfrm>
+          <a:prstGeom prst="rect">
+            <a:avLst/>
+          </a:prstGeom>
+        </p:spPr>
+        <p:style>
+          <a:lnRef idx="3">
+            <a:schemeClr val="lt1"/>
+          </a:lnRef>
+          <a:fillRef idx="1">
+            <a:schemeClr val="accent2"/>
+          </a:fillRef>
+          <a:effectRef idx="1">
+            <a:schemeClr val="accent2"/>
+          </a:effectRef>
+          <a:fontRef idx="minor">
+            <a:schemeClr val="lt1"/>
+          </a:fontRef>
+        </p:style>
+        <p:txBody>
+          <a:bodyPr wrap="square">
+            <a:spAutoFit/>
+          </a:bodyPr>
+          <a:lstStyle/>
+          <a:p>
+            <a:pPr algn="ctr"/>
+            <a:r>
+              <a:rPr lang="es-MX" sz="4800" b="1" dirty="0">
+                <a:solidFill>
+                  <a:schemeClr val="bg1"/>
+                </a:solidFill>
+                <a:effectLst>
+                  <a:outerShdw blurRad="38100" dist="38100" dir="2700000" algn="tl">
+                    <a:srgbClr val="000000">
+                      <a:alpha val="43137"/>
+                    </a:srgbClr>
+                  </a:outerShdw>
+                </a:effectLst>
+                <a:latin typeface="+mj-lt"/>
+                <a:ea typeface="+mj-ea"/>
+                <a:cs typeface="+mj-cs"/>
+              </a:rPr>
+              <a:t>INICIO</a:t>
+            </a:r>
+            <a:endParaRPr lang="es-419" sz="4800" b="1" dirty="0">
+              <a:solidFill>
+                <a:schemeClr val="bg1"/>
+              </a:solidFill>
+              <a:effectLst>
+                <a:outerShdw blurRad="38100" dist="38100" dir="2700000" algn="tl">
+                  <a:srgbClr val="000000">
+                    <a:alpha val="43137"/>
+                  </a:srgbClr>
+                </a:outerShdw>
+              </a:effectLst>
+              <a:latin typeface="+mj-lt"/>
+              <a:ea typeface="+mj-ea"/>
+              <a:cs typeface="+mj-cs"/>
+            </a:endParaRPr>
+          </a:p>
+        </p:txBody>
+      </p:sp>
+      <p:pic>
+        <p:nvPicPr>
+          <p:cNvPr id="7" name="Imagen 6">
+            <a:extLst>
+              <a:ext uri="{FF2B5EF4-FFF2-40B4-BE49-F238E27FC236}">
+                <a16:creationId xmlns:a16="http://schemas.microsoft.com/office/drawing/2014/main" id="{863DDB1A-E779-405E-87A7-78DA796F75E2}"/>
+              </a:ext>
+            </a:extLst>
+          </p:cNvPr>
+          <p:cNvPicPr>
+            <a:picLocks noChangeAspect="1"/>
+          </p:cNvPicPr>
+          <p:nvPr/>
+        </p:nvPicPr>
+        <p:blipFill>
+          <a:blip r:embed="rId5"/>
+          <a:stretch>
+            <a:fillRect/>
+          </a:stretch>
+        </p:blipFill>
+        <p:spPr>
+          <a:xfrm>
+            <a:off x="5927525" y="1921566"/>
+            <a:ext cx="1984023" cy="4065104"/>
+          </a:xfrm>
+          <a:prstGeom prst="rect">
+            <a:avLst/>
+          </a:prstGeom>
+        </p:spPr>
+      </p:pic>
+      <p:pic>
+        <p:nvPicPr>
+          <p:cNvPr id="8" name="Imagen 7">
+            <a:extLst>
+              <a:ext uri="{FF2B5EF4-FFF2-40B4-BE49-F238E27FC236}">
+                <a16:creationId xmlns:a16="http://schemas.microsoft.com/office/drawing/2014/main" id="{923A724F-064B-430C-BA5B-8824345FA59C}"/>
+              </a:ext>
+            </a:extLst>
+          </p:cNvPr>
+          <p:cNvPicPr>
+            <a:picLocks noChangeAspect="1"/>
+          </p:cNvPicPr>
+          <p:nvPr/>
+        </p:nvPicPr>
+        <p:blipFill>
+          <a:blip r:embed="rId6"/>
+          <a:stretch>
+            <a:fillRect/>
+          </a:stretch>
+        </p:blipFill>
+        <p:spPr>
+          <a:xfrm>
+            <a:off x="8016530" y="1921567"/>
+            <a:ext cx="1984023" cy="4065104"/>
+          </a:xfrm>
+          <a:prstGeom prst="rect">
+            <a:avLst/>
+          </a:prstGeom>
+        </p:spPr>
+      </p:pic>
+      <p:pic>
+        <p:nvPicPr>
+          <p:cNvPr id="9" name="Imagen 8">
+            <a:extLst>
+              <a:ext uri="{FF2B5EF4-FFF2-40B4-BE49-F238E27FC236}">
+                <a16:creationId xmlns:a16="http://schemas.microsoft.com/office/drawing/2014/main" id="{E960658B-1A92-4044-90B1-AE61453453E2}"/>
+              </a:ext>
+            </a:extLst>
+          </p:cNvPr>
+          <p:cNvPicPr>
+            <a:picLocks noChangeAspect="1"/>
+          </p:cNvPicPr>
+          <p:nvPr/>
+        </p:nvPicPr>
+        <p:blipFill>
+          <a:blip r:embed="rId7"/>
+          <a:stretch>
+            <a:fillRect/>
+          </a:stretch>
+        </p:blipFill>
+        <p:spPr>
+          <a:xfrm>
+            <a:off x="10111465" y="1921567"/>
+            <a:ext cx="1984023" cy="4065104"/>
+          </a:xfrm>
+          <a:prstGeom prst="rect">
+            <a:avLst/>
+          </a:prstGeom>
+        </p:spPr>
+      </p:pic>
     </p:spTree>
     <p:extLst>
       <p:ext uri="{BB962C8B-B14F-4D97-AF65-F5344CB8AC3E}">
-        <p14:creationId xmlns:p14="http://schemas.microsoft.com/office/powerpoint/2010/main" val="3188662293"/>
+        <p14:creationId xmlns:p14="http://schemas.microsoft.com/office/powerpoint/2010/main" val="2167335646"/>
       </p:ext>
     </p:extLst>
   </p:cSld>
@@ -12217,6 +12686,652 @@
 </file>
 
 <file path=ppt/slides/slide16.xml><?xml version="1.0" encoding="utf-8"?>
+<p:sld xmlns:a="http://schemas.openxmlformats.org/drawingml/2006/main" xmlns:r="http://schemas.openxmlformats.org/officeDocument/2006/relationships" xmlns:p="http://schemas.openxmlformats.org/presentationml/2006/main">
+  <p:cSld>
+    <p:spTree>
+      <p:nvGrpSpPr>
+        <p:cNvPr id="1" name=""/>
+        <p:cNvGrpSpPr/>
+        <p:nvPr/>
+      </p:nvGrpSpPr>
+      <p:grpSpPr>
+        <a:xfrm>
+          <a:off x="0" y="0"/>
+          <a:ext cx="0" cy="0"/>
+          <a:chOff x="0" y="0"/>
+          <a:chExt cx="0" cy="0"/>
+        </a:xfrm>
+      </p:grpSpPr>
+      <p:sp>
+        <p:nvSpPr>
+          <p:cNvPr id="5" name="Rectángulo 3"/>
+          <p:cNvSpPr/>
+          <p:nvPr/>
+        </p:nvSpPr>
+        <p:spPr>
+          <a:xfrm>
+            <a:off x="779886" y="653949"/>
+            <a:ext cx="6389540" cy="646331"/>
+          </a:xfrm>
+          <a:prstGeom prst="rect">
+            <a:avLst/>
+          </a:prstGeom>
+        </p:spPr>
+        <p:txBody>
+          <a:bodyPr wrap="square">
+            <a:spAutoFit/>
+          </a:bodyPr>
+          <a:lstStyle/>
+          <a:p>
+            <a:r>
+              <a:rPr lang="es-MX" sz="3600" b="1" u="sng" dirty="0">
+                <a:solidFill>
+                  <a:schemeClr val="accent1"/>
+                </a:solidFill>
+                <a:effectLst>
+                  <a:outerShdw blurRad="38100" dist="38100" dir="2700000" algn="tl">
+                    <a:srgbClr val="000000">
+                      <a:alpha val="43137"/>
+                    </a:srgbClr>
+                  </a:outerShdw>
+                </a:effectLst>
+                <a:latin typeface="+mj-lt"/>
+                <a:ea typeface="+mj-ea"/>
+                <a:cs typeface="+mj-cs"/>
+              </a:rPr>
+              <a:t>6. PROTOTIPO  VS  APLICACIÓN</a:t>
+            </a:r>
+            <a:endParaRPr lang="es-419" sz="3600" b="1" u="sng" dirty="0">
+              <a:solidFill>
+                <a:schemeClr val="accent1"/>
+              </a:solidFill>
+              <a:effectLst>
+                <a:outerShdw blurRad="38100" dist="38100" dir="2700000" algn="tl">
+                  <a:srgbClr val="000000">
+                    <a:alpha val="43137"/>
+                  </a:srgbClr>
+                </a:outerShdw>
+              </a:effectLst>
+              <a:latin typeface="+mj-lt"/>
+              <a:ea typeface="+mj-ea"/>
+              <a:cs typeface="+mj-cs"/>
+            </a:endParaRPr>
+          </a:p>
+        </p:txBody>
+      </p:sp>
+      <p:pic>
+        <p:nvPicPr>
+          <p:cNvPr id="3" name="Imagen 2">
+            <a:extLst>
+              <a:ext uri="{FF2B5EF4-FFF2-40B4-BE49-F238E27FC236}">
+                <a16:creationId xmlns:a16="http://schemas.microsoft.com/office/drawing/2014/main" id="{AFFA60E0-6E3E-408A-8B45-EAD5F56EDCDE}"/>
+              </a:ext>
+            </a:extLst>
+          </p:cNvPr>
+          <p:cNvPicPr>
+            <a:picLocks noChangeAspect="1"/>
+          </p:cNvPicPr>
+          <p:nvPr/>
+        </p:nvPicPr>
+        <p:blipFill>
+          <a:blip r:embed="rId2"/>
+          <a:stretch>
+            <a:fillRect/>
+          </a:stretch>
+        </p:blipFill>
+        <p:spPr>
+          <a:xfrm>
+            <a:off x="779886" y="1825487"/>
+            <a:ext cx="2295525" cy="4378564"/>
+          </a:xfrm>
+          <a:prstGeom prst="rect">
+            <a:avLst/>
+          </a:prstGeom>
+        </p:spPr>
+      </p:pic>
+      <p:pic>
+        <p:nvPicPr>
+          <p:cNvPr id="2" name="Imagen 1">
+            <a:extLst>
+              <a:ext uri="{FF2B5EF4-FFF2-40B4-BE49-F238E27FC236}">
+                <a16:creationId xmlns:a16="http://schemas.microsoft.com/office/drawing/2014/main" id="{89D7B4DF-C2B0-4AB9-B839-A9CFDA1B14C1}"/>
+              </a:ext>
+            </a:extLst>
+          </p:cNvPr>
+          <p:cNvPicPr>
+            <a:picLocks noChangeAspect="1"/>
+          </p:cNvPicPr>
+          <p:nvPr/>
+        </p:nvPicPr>
+        <p:blipFill>
+          <a:blip r:embed="rId3"/>
+          <a:stretch>
+            <a:fillRect/>
+          </a:stretch>
+        </p:blipFill>
+        <p:spPr>
+          <a:xfrm>
+            <a:off x="3398355" y="1825487"/>
+            <a:ext cx="2295525" cy="4378564"/>
+          </a:xfrm>
+          <a:prstGeom prst="rect">
+            <a:avLst/>
+          </a:prstGeom>
+        </p:spPr>
+      </p:pic>
+      <p:sp>
+        <p:nvSpPr>
+          <p:cNvPr id="6" name="CuadroTexto 5">
+            <a:extLst>
+              <a:ext uri="{FF2B5EF4-FFF2-40B4-BE49-F238E27FC236}">
+                <a16:creationId xmlns:a16="http://schemas.microsoft.com/office/drawing/2014/main" id="{F21BDEAB-AB73-4941-B701-EF968AD88F7E}"/>
+              </a:ext>
+            </a:extLst>
+          </p:cNvPr>
+          <p:cNvSpPr txBox="1"/>
+          <p:nvPr/>
+        </p:nvSpPr>
+        <p:spPr>
+          <a:xfrm>
+            <a:off x="6758609" y="1968055"/>
+            <a:ext cx="4333461" cy="4093428"/>
+          </a:xfrm>
+          <a:prstGeom prst="rect">
+            <a:avLst/>
+          </a:prstGeom>
+          <a:noFill/>
+        </p:spPr>
+        <p:txBody>
+          <a:bodyPr wrap="square" rtlCol="0">
+            <a:spAutoFit/>
+          </a:bodyPr>
+          <a:lstStyle/>
+          <a:p>
+            <a:r>
+              <a:rPr lang="es-CO" sz="2000" dirty="0"/>
+              <a:t>En esta opción el usuario es la persona que realiza el cargue detallado de los eventos presentados al momento de trasladar pacientes. Registra la siguiente información:</a:t>
+            </a:r>
+          </a:p>
+          <a:p>
+            <a:endParaRPr lang="es-CO" sz="2000" dirty="0"/>
+          </a:p>
+          <a:p>
+            <a:pPr marL="285750" indent="-285750">
+              <a:buFont typeface="Arial" panose="020B0604020202020204" pitchFamily="34" charset="0"/>
+              <a:buChar char="•"/>
+            </a:pPr>
+            <a:r>
+              <a:rPr lang="es-CO" sz="2000" dirty="0"/>
+              <a:t>Nombres completos</a:t>
+            </a:r>
+          </a:p>
+          <a:p>
+            <a:pPr marL="285750" indent="-285750">
+              <a:buFont typeface="Arial" panose="020B0604020202020204" pitchFamily="34" charset="0"/>
+              <a:buChar char="•"/>
+            </a:pPr>
+            <a:r>
+              <a:rPr lang="es-CO" sz="2000" dirty="0"/>
+              <a:t>Tipo ID</a:t>
+            </a:r>
+          </a:p>
+          <a:p>
+            <a:pPr marL="285750" indent="-285750">
+              <a:buFont typeface="Arial" panose="020B0604020202020204" pitchFamily="34" charset="0"/>
+              <a:buChar char="•"/>
+            </a:pPr>
+            <a:r>
+              <a:rPr lang="es-CO" sz="2000" dirty="0"/>
+              <a:t>Número de documento</a:t>
+            </a:r>
+          </a:p>
+          <a:p>
+            <a:pPr marL="285750" indent="-285750">
+              <a:buFont typeface="Arial" panose="020B0604020202020204" pitchFamily="34" charset="0"/>
+              <a:buChar char="•"/>
+            </a:pPr>
+            <a:r>
+              <a:rPr lang="es-CO" sz="2000" dirty="0"/>
+              <a:t>Diagnóstico</a:t>
+            </a:r>
+          </a:p>
+          <a:p>
+            <a:pPr marL="285750" indent="-285750">
+              <a:buFont typeface="Arial" panose="020B0604020202020204" pitchFamily="34" charset="0"/>
+              <a:buChar char="•"/>
+            </a:pPr>
+            <a:r>
+              <a:rPr lang="es-CO" sz="2000" dirty="0"/>
+              <a:t>Registro producto</a:t>
+            </a:r>
+          </a:p>
+          <a:p>
+            <a:pPr marL="742950" lvl="1" indent="-285750">
+              <a:buFont typeface="Arial" panose="020B0604020202020204" pitchFamily="34" charset="0"/>
+              <a:buChar char="•"/>
+            </a:pPr>
+            <a:r>
+              <a:rPr lang="es-CO" sz="2000" dirty="0"/>
+              <a:t>Nombre</a:t>
+            </a:r>
+          </a:p>
+          <a:p>
+            <a:pPr marL="742950" lvl="1" indent="-285750">
+              <a:buFont typeface="Arial" panose="020B0604020202020204" pitchFamily="34" charset="0"/>
+              <a:buChar char="•"/>
+            </a:pPr>
+            <a:r>
+              <a:rPr lang="es-CO" sz="2000" dirty="0"/>
+              <a:t>Cantidad</a:t>
+            </a:r>
+          </a:p>
+        </p:txBody>
+      </p:sp>
+      <p:sp>
+        <p:nvSpPr>
+          <p:cNvPr id="7" name="Rectángulo 3">
+            <a:extLst>
+              <a:ext uri="{FF2B5EF4-FFF2-40B4-BE49-F238E27FC236}">
+                <a16:creationId xmlns:a16="http://schemas.microsoft.com/office/drawing/2014/main" id="{2FBB2A47-BA5F-47D6-BB52-6344F0968E53}"/>
+              </a:ext>
+            </a:extLst>
+          </p:cNvPr>
+          <p:cNvSpPr/>
+          <p:nvPr/>
+        </p:nvSpPr>
+        <p:spPr>
+          <a:xfrm>
+            <a:off x="9687338" y="653949"/>
+            <a:ext cx="1848679" cy="830997"/>
+          </a:xfrm>
+          <a:prstGeom prst="rect">
+            <a:avLst/>
+          </a:prstGeom>
+        </p:spPr>
+        <p:style>
+          <a:lnRef idx="3">
+            <a:schemeClr val="lt1"/>
+          </a:lnRef>
+          <a:fillRef idx="1">
+            <a:schemeClr val="accent2"/>
+          </a:fillRef>
+          <a:effectRef idx="1">
+            <a:schemeClr val="accent2"/>
+          </a:effectRef>
+          <a:fontRef idx="minor">
+            <a:schemeClr val="lt1"/>
+          </a:fontRef>
+        </p:style>
+        <p:txBody>
+          <a:bodyPr wrap="square">
+            <a:spAutoFit/>
+          </a:bodyPr>
+          <a:lstStyle/>
+          <a:p>
+            <a:pPr algn="ctr"/>
+            <a:r>
+              <a:rPr lang="es-MX" sz="2400" b="1" dirty="0">
+                <a:solidFill>
+                  <a:schemeClr val="bg1"/>
+                </a:solidFill>
+                <a:effectLst>
+                  <a:outerShdw blurRad="38100" dist="38100" dir="2700000" algn="tl">
+                    <a:srgbClr val="000000">
+                      <a:alpha val="43137"/>
+                    </a:srgbClr>
+                  </a:outerShdw>
+                </a:effectLst>
+                <a:latin typeface="+mj-lt"/>
+                <a:ea typeface="+mj-ea"/>
+                <a:cs typeface="+mj-cs"/>
+              </a:rPr>
+              <a:t>REGISTRO PACIENTE</a:t>
+            </a:r>
+            <a:endParaRPr lang="es-419" sz="2400" b="1" dirty="0">
+              <a:solidFill>
+                <a:schemeClr val="bg1"/>
+              </a:solidFill>
+              <a:effectLst>
+                <a:outerShdw blurRad="38100" dist="38100" dir="2700000" algn="tl">
+                  <a:srgbClr val="000000">
+                    <a:alpha val="43137"/>
+                  </a:srgbClr>
+                </a:outerShdw>
+              </a:effectLst>
+              <a:latin typeface="+mj-lt"/>
+              <a:ea typeface="+mj-ea"/>
+              <a:cs typeface="+mj-cs"/>
+            </a:endParaRPr>
+          </a:p>
+        </p:txBody>
+      </p:sp>
+    </p:spTree>
+    <p:extLst>
+      <p:ext uri="{BB962C8B-B14F-4D97-AF65-F5344CB8AC3E}">
+        <p14:creationId xmlns:p14="http://schemas.microsoft.com/office/powerpoint/2010/main" val="2302224956"/>
+      </p:ext>
+    </p:extLst>
+  </p:cSld>
+  <p:clrMapOvr>
+    <a:masterClrMapping/>
+  </p:clrMapOvr>
+</p:sld>
+</file>
+
+<file path=ppt/slides/slide17.xml><?xml version="1.0" encoding="utf-8"?>
+<p:sld xmlns:a="http://schemas.openxmlformats.org/drawingml/2006/main" xmlns:r="http://schemas.openxmlformats.org/officeDocument/2006/relationships" xmlns:p="http://schemas.openxmlformats.org/presentationml/2006/main">
+  <p:cSld>
+    <p:spTree>
+      <p:nvGrpSpPr>
+        <p:cNvPr id="1" name=""/>
+        <p:cNvGrpSpPr/>
+        <p:nvPr/>
+      </p:nvGrpSpPr>
+      <p:grpSpPr>
+        <a:xfrm>
+          <a:off x="0" y="0"/>
+          <a:ext cx="0" cy="0"/>
+          <a:chOff x="0" y="0"/>
+          <a:chExt cx="0" cy="0"/>
+        </a:xfrm>
+      </p:grpSpPr>
+      <p:sp>
+        <p:nvSpPr>
+          <p:cNvPr id="5" name="Rectángulo 3"/>
+          <p:cNvSpPr/>
+          <p:nvPr/>
+        </p:nvSpPr>
+        <p:spPr>
+          <a:xfrm>
+            <a:off x="779886" y="653949"/>
+            <a:ext cx="6389540" cy="646331"/>
+          </a:xfrm>
+          <a:prstGeom prst="rect">
+            <a:avLst/>
+          </a:prstGeom>
+        </p:spPr>
+        <p:txBody>
+          <a:bodyPr wrap="square">
+            <a:spAutoFit/>
+          </a:bodyPr>
+          <a:lstStyle/>
+          <a:p>
+            <a:r>
+              <a:rPr lang="es-MX" sz="3600" b="1" u="sng" dirty="0">
+                <a:solidFill>
+                  <a:schemeClr val="accent1"/>
+                </a:solidFill>
+                <a:effectLst>
+                  <a:outerShdw blurRad="38100" dist="38100" dir="2700000" algn="tl">
+                    <a:srgbClr val="000000">
+                      <a:alpha val="43137"/>
+                    </a:srgbClr>
+                  </a:outerShdw>
+                </a:effectLst>
+                <a:latin typeface="+mj-lt"/>
+                <a:ea typeface="+mj-ea"/>
+                <a:cs typeface="+mj-cs"/>
+              </a:rPr>
+              <a:t>6. PROTOTIPO  VS  APLICACIÓN</a:t>
+            </a:r>
+            <a:endParaRPr lang="es-419" sz="3600" b="1" u="sng" dirty="0">
+              <a:solidFill>
+                <a:schemeClr val="accent1"/>
+              </a:solidFill>
+              <a:effectLst>
+                <a:outerShdw blurRad="38100" dist="38100" dir="2700000" algn="tl">
+                  <a:srgbClr val="000000">
+                    <a:alpha val="43137"/>
+                  </a:srgbClr>
+                </a:outerShdw>
+              </a:effectLst>
+              <a:latin typeface="+mj-lt"/>
+              <a:ea typeface="+mj-ea"/>
+              <a:cs typeface="+mj-cs"/>
+            </a:endParaRPr>
+          </a:p>
+        </p:txBody>
+      </p:sp>
+      <p:pic>
+        <p:nvPicPr>
+          <p:cNvPr id="2" name="Imagen 1">
+            <a:extLst>
+              <a:ext uri="{FF2B5EF4-FFF2-40B4-BE49-F238E27FC236}">
+                <a16:creationId xmlns:a16="http://schemas.microsoft.com/office/drawing/2014/main" id="{5594D11F-BBE6-4C7A-9FCD-46A66EA5F3A9}"/>
+              </a:ext>
+            </a:extLst>
+          </p:cNvPr>
+          <p:cNvPicPr>
+            <a:picLocks noChangeAspect="1"/>
+          </p:cNvPicPr>
+          <p:nvPr/>
+        </p:nvPicPr>
+        <p:blipFill>
+          <a:blip r:embed="rId2"/>
+          <a:stretch>
+            <a:fillRect/>
+          </a:stretch>
+        </p:blipFill>
+        <p:spPr>
+          <a:xfrm>
+            <a:off x="779886" y="1981200"/>
+            <a:ext cx="2276475" cy="4222851"/>
+          </a:xfrm>
+          <a:prstGeom prst="rect">
+            <a:avLst/>
+          </a:prstGeom>
+        </p:spPr>
+      </p:pic>
+      <p:pic>
+        <p:nvPicPr>
+          <p:cNvPr id="3" name="Imagen 2">
+            <a:extLst>
+              <a:ext uri="{FF2B5EF4-FFF2-40B4-BE49-F238E27FC236}">
+                <a16:creationId xmlns:a16="http://schemas.microsoft.com/office/drawing/2014/main" id="{760CB31C-D08C-4E2E-97A8-8ED602FADFFB}"/>
+              </a:ext>
+            </a:extLst>
+          </p:cNvPr>
+          <p:cNvPicPr>
+            <a:picLocks noChangeAspect="1"/>
+          </p:cNvPicPr>
+          <p:nvPr/>
+        </p:nvPicPr>
+        <p:blipFill>
+          <a:blip r:embed="rId3"/>
+          <a:stretch>
+            <a:fillRect/>
+          </a:stretch>
+        </p:blipFill>
+        <p:spPr>
+          <a:xfrm>
+            <a:off x="3363360" y="1981200"/>
+            <a:ext cx="2276475" cy="4222851"/>
+          </a:xfrm>
+          <a:prstGeom prst="rect">
+            <a:avLst/>
+          </a:prstGeom>
+        </p:spPr>
+      </p:pic>
+      <p:sp>
+        <p:nvSpPr>
+          <p:cNvPr id="4" name="CuadroTexto 3">
+            <a:extLst>
+              <a:ext uri="{FF2B5EF4-FFF2-40B4-BE49-F238E27FC236}">
+                <a16:creationId xmlns:a16="http://schemas.microsoft.com/office/drawing/2014/main" id="{8AAB9584-8228-42B1-84CC-B590C60137A0}"/>
+              </a:ext>
+            </a:extLst>
+          </p:cNvPr>
+          <p:cNvSpPr txBox="1"/>
+          <p:nvPr/>
+        </p:nvSpPr>
+        <p:spPr>
+          <a:xfrm>
+            <a:off x="6758609" y="2266122"/>
+            <a:ext cx="4333461" cy="3477875"/>
+          </a:xfrm>
+          <a:prstGeom prst="rect">
+            <a:avLst/>
+          </a:prstGeom>
+          <a:noFill/>
+        </p:spPr>
+        <p:txBody>
+          <a:bodyPr wrap="square" rtlCol="0">
+            <a:spAutoFit/>
+          </a:bodyPr>
+          <a:lstStyle/>
+          <a:p>
+            <a:r>
+              <a:rPr lang="es-CO" sz="2000" dirty="0"/>
+              <a:t>En esta opción el farmaceuta es la persona que realiza el cargue de inventario con la respectiva autorización del administrador. Registra la siguiente información:</a:t>
+            </a:r>
+          </a:p>
+          <a:p>
+            <a:endParaRPr lang="es-CO" sz="2000" dirty="0"/>
+          </a:p>
+          <a:p>
+            <a:pPr marL="285750" indent="-285750">
+              <a:buFont typeface="Arial" panose="020B0604020202020204" pitchFamily="34" charset="0"/>
+              <a:buChar char="•"/>
+            </a:pPr>
+            <a:r>
+              <a:rPr lang="es-CO" sz="2000" dirty="0"/>
+              <a:t>Producto</a:t>
+            </a:r>
+          </a:p>
+          <a:p>
+            <a:pPr marL="285750" indent="-285750">
+              <a:buFont typeface="Arial" panose="020B0604020202020204" pitchFamily="34" charset="0"/>
+              <a:buChar char="•"/>
+            </a:pPr>
+            <a:r>
+              <a:rPr lang="es-CO" sz="2000" dirty="0"/>
+              <a:t>Registro INVIMA</a:t>
+            </a:r>
+          </a:p>
+          <a:p>
+            <a:pPr marL="285750" indent="-285750">
+              <a:buFont typeface="Arial" panose="020B0604020202020204" pitchFamily="34" charset="0"/>
+              <a:buChar char="•"/>
+            </a:pPr>
+            <a:r>
+              <a:rPr lang="es-CO" sz="2000" dirty="0"/>
+              <a:t>Cantidad</a:t>
+            </a:r>
+          </a:p>
+          <a:p>
+            <a:pPr marL="285750" indent="-285750">
+              <a:buFont typeface="Arial" panose="020B0604020202020204" pitchFamily="34" charset="0"/>
+              <a:buChar char="•"/>
+            </a:pPr>
+            <a:r>
+              <a:rPr lang="es-CO" sz="2000" dirty="0"/>
+              <a:t>Fecha elaboración</a:t>
+            </a:r>
+          </a:p>
+          <a:p>
+            <a:pPr marL="285750" indent="-285750">
+              <a:buFont typeface="Arial" panose="020B0604020202020204" pitchFamily="34" charset="0"/>
+              <a:buChar char="•"/>
+            </a:pPr>
+            <a:r>
+              <a:rPr lang="es-CO" sz="2000" dirty="0"/>
+              <a:t>Fecha vencimiento</a:t>
+            </a:r>
+          </a:p>
+        </p:txBody>
+      </p:sp>
+      <p:sp>
+        <p:nvSpPr>
+          <p:cNvPr id="6" name="Rectángulo 3">
+            <a:extLst>
+              <a:ext uri="{FF2B5EF4-FFF2-40B4-BE49-F238E27FC236}">
+                <a16:creationId xmlns:a16="http://schemas.microsoft.com/office/drawing/2014/main" id="{21B07DDC-60E2-4F6A-8A35-8A27B0EBA663}"/>
+              </a:ext>
+            </a:extLst>
+          </p:cNvPr>
+          <p:cNvSpPr/>
+          <p:nvPr/>
+        </p:nvSpPr>
+        <p:spPr>
+          <a:xfrm>
+            <a:off x="9687338" y="653949"/>
+            <a:ext cx="1848679" cy="830997"/>
+          </a:xfrm>
+          <a:prstGeom prst="rect">
+            <a:avLst/>
+          </a:prstGeom>
+        </p:spPr>
+        <p:style>
+          <a:lnRef idx="3">
+            <a:schemeClr val="lt1"/>
+          </a:lnRef>
+          <a:fillRef idx="1">
+            <a:schemeClr val="accent2"/>
+          </a:fillRef>
+          <a:effectRef idx="1">
+            <a:schemeClr val="accent2"/>
+          </a:effectRef>
+          <a:fontRef idx="minor">
+            <a:schemeClr val="lt1"/>
+          </a:fontRef>
+        </p:style>
+        <p:txBody>
+          <a:bodyPr wrap="square">
+            <a:spAutoFit/>
+          </a:bodyPr>
+          <a:lstStyle/>
+          <a:p>
+            <a:pPr algn="ctr"/>
+            <a:r>
+              <a:rPr lang="es-MX" sz="2400" b="1" dirty="0">
+                <a:solidFill>
+                  <a:schemeClr val="bg1"/>
+                </a:solidFill>
+                <a:effectLst>
+                  <a:outerShdw blurRad="38100" dist="38100" dir="2700000" algn="tl">
+                    <a:srgbClr val="000000">
+                      <a:alpha val="43137"/>
+                    </a:srgbClr>
+                  </a:outerShdw>
+                </a:effectLst>
+                <a:latin typeface="+mj-lt"/>
+                <a:ea typeface="+mj-ea"/>
+                <a:cs typeface="+mj-cs"/>
+              </a:rPr>
+              <a:t>Cargue Inventario</a:t>
+            </a:r>
+            <a:endParaRPr lang="es-419" sz="2400" b="1" dirty="0">
+              <a:solidFill>
+                <a:schemeClr val="bg1"/>
+              </a:solidFill>
+              <a:effectLst>
+                <a:outerShdw blurRad="38100" dist="38100" dir="2700000" algn="tl">
+                  <a:srgbClr val="000000">
+                    <a:alpha val="43137"/>
+                  </a:srgbClr>
+                </a:outerShdw>
+              </a:effectLst>
+              <a:latin typeface="+mj-lt"/>
+              <a:ea typeface="+mj-ea"/>
+              <a:cs typeface="+mj-cs"/>
+            </a:endParaRPr>
+          </a:p>
+        </p:txBody>
+      </p:sp>
+    </p:spTree>
+    <p:extLst>
+      <p:ext uri="{BB962C8B-B14F-4D97-AF65-F5344CB8AC3E}">
+        <p14:creationId xmlns:p14="http://schemas.microsoft.com/office/powerpoint/2010/main" val="3049203457"/>
+      </p:ext>
+    </p:extLst>
+  </p:cSld>
+  <p:clrMapOvr>
+    <a:masterClrMapping/>
+  </p:clrMapOvr>
+</p:sld>
+</file>
+
+<file path=ppt/slides/slide18.xml><?xml version="1.0" encoding="utf-8"?>
 <p:sld xmlns:a="http://schemas.openxmlformats.org/drawingml/2006/main" xmlns:r="http://schemas.openxmlformats.org/officeDocument/2006/relationships" xmlns:p="http://schemas.openxmlformats.org/presentationml/2006/main">
   <p:cSld>
     <p:spTree>
@@ -12270,94 +13385,7 @@
                 <a:ea typeface="+mj-ea"/>
                 <a:cs typeface="+mj-cs"/>
               </a:rPr>
-              <a:t>7. APLICACIÓN</a:t>
-            </a:r>
-            <a:endParaRPr lang="es-419" sz="3600" b="1" u="sng" dirty="0">
-              <a:solidFill>
-                <a:schemeClr val="accent1"/>
-              </a:solidFill>
-              <a:effectLst>
-                <a:outerShdw blurRad="38100" dist="38100" dir="2700000" algn="tl">
-                  <a:srgbClr val="000000">
-                    <a:alpha val="43137"/>
-                  </a:srgbClr>
-                </a:outerShdw>
-              </a:effectLst>
-              <a:latin typeface="+mj-lt"/>
-              <a:ea typeface="+mj-ea"/>
-              <a:cs typeface="+mj-cs"/>
-            </a:endParaRPr>
-          </a:p>
-        </p:txBody>
-      </p:sp>
-    </p:spTree>
-    <p:extLst>
-      <p:ext uri="{BB962C8B-B14F-4D97-AF65-F5344CB8AC3E}">
-        <p14:creationId xmlns:p14="http://schemas.microsoft.com/office/powerpoint/2010/main" val="2141538930"/>
-      </p:ext>
-    </p:extLst>
-  </p:cSld>
-  <p:clrMapOvr>
-    <a:masterClrMapping/>
-  </p:clrMapOvr>
-</p:sld>
-</file>
-
-<file path=ppt/slides/slide17.xml><?xml version="1.0" encoding="utf-8"?>
-<p:sld xmlns:a="http://schemas.openxmlformats.org/drawingml/2006/main" xmlns:r="http://schemas.openxmlformats.org/officeDocument/2006/relationships" xmlns:p="http://schemas.openxmlformats.org/presentationml/2006/main">
-  <p:cSld>
-    <p:spTree>
-      <p:nvGrpSpPr>
-        <p:cNvPr id="1" name=""/>
-        <p:cNvGrpSpPr/>
-        <p:nvPr/>
-      </p:nvGrpSpPr>
-      <p:grpSpPr>
-        <a:xfrm>
-          <a:off x="0" y="0"/>
-          <a:ext cx="0" cy="0"/>
-          <a:chOff x="0" y="0"/>
-          <a:chExt cx="0" cy="0"/>
-        </a:xfrm>
-      </p:grpSpPr>
-      <p:sp>
-        <p:nvSpPr>
-          <p:cNvPr id="5" name="Rectángulo 3"/>
-          <p:cNvSpPr/>
-          <p:nvPr/>
-        </p:nvSpPr>
-        <p:spPr>
-          <a:xfrm>
-            <a:off x="779886" y="653949"/>
-            <a:ext cx="6773853" cy="646331"/>
-          </a:xfrm>
-          <a:prstGeom prst="rect">
-            <a:avLst/>
-          </a:prstGeom>
-        </p:spPr>
-        <p:txBody>
-          <a:bodyPr wrap="square">
-            <a:spAutoFit/>
-          </a:bodyPr>
-          <a:lstStyle/>
-          <a:p>
-            <a:r>
-              <a:rPr lang="es-MX" sz="3600" b="1" u="sng" dirty="0">
-                <a:solidFill>
-                  <a:schemeClr val="accent1"/>
-                </a:solidFill>
-                <a:effectLst>
-                  <a:outerShdw blurRad="38100" dist="38100" dir="2700000" algn="tl">
-                    <a:srgbClr val="000000">
-                      <a:alpha val="43137"/>
-                    </a:srgbClr>
-                  </a:outerShdw>
-                </a:effectLst>
-                <a:latin typeface="+mj-lt"/>
-                <a:ea typeface="+mj-ea"/>
-                <a:cs typeface="+mj-cs"/>
-              </a:rPr>
-              <a:t>8. CONCLUSIÓN</a:t>
+              <a:t>7. CONCLUSIÓN</a:t>
             </a:r>
             <a:endParaRPr lang="es-419" sz="3600" b="1" u="sng" dirty="0">
               <a:solidFill>
@@ -12432,7 +13460,7 @@
 </p:sld>
 </file>
 
-<file path=ppt/slides/slide18.xml><?xml version="1.0" encoding="utf-8"?>
+<file path=ppt/slides/slide19.xml><?xml version="1.0" encoding="utf-8"?>
 <p:sld xmlns:a="http://schemas.openxmlformats.org/drawingml/2006/main" xmlns:r="http://schemas.openxmlformats.org/officeDocument/2006/relationships" xmlns:p="http://schemas.openxmlformats.org/presentationml/2006/main">
   <p:cSld>
     <p:spTree>
@@ -12579,7 +13607,7 @@
         </p:spPr>
         <p:txBody>
           <a:bodyPr>
-            <a:normAutofit lnSpcReduction="10000"/>
+            <a:normAutofit/>
           </a:bodyPr>
           <a:lstStyle/>
           <a:p>
@@ -12663,21 +13691,7 @@
                   <a:schemeClr val="tx1"/>
                 </a:solidFill>
               </a:rPr>
-              <a:t>Prototipo</a:t>
-            </a:r>
-          </a:p>
-          <a:p>
-            <a:pPr marL="514350" indent="-514350">
-              <a:buFont typeface="+mj-lt"/>
-              <a:buAutoNum type="arabicPeriod"/>
-            </a:pPr>
-            <a:r>
-              <a:rPr lang="es-MX" sz="3000" b="1" dirty="0">
-                <a:solidFill>
-                  <a:schemeClr val="tx1"/>
-                </a:solidFill>
-              </a:rPr>
-              <a:t>Aplicación</a:t>
+              <a:t>Prototipo vs Aplicación</a:t>
             </a:r>
           </a:p>
           <a:p>

--- a/PRESENTACION APP INVENTARIOS.pptx
+++ b/PRESENTACION APP INVENTARIOS.pptx
@@ -7489,7 +7489,7 @@
             <a:fld id="{B61BEF0D-F0BB-DE4B-95CE-6DB70DBA9567}" type="datetimeFigureOut">
               <a:rPr lang="en-US" smtClean="0"/>
               <a:pPr/>
-              <a:t>11/30/2019</a:t>
+              <a:t>12/1/2019</a:t>
             </a:fld>
             <a:endParaRPr lang="en-US" dirty="0"/>
           </a:p>
@@ -7699,7 +7699,7 @@
             <a:fld id="{B61BEF0D-F0BB-DE4B-95CE-6DB70DBA9567}" type="datetimeFigureOut">
               <a:rPr lang="en-US" smtClean="0"/>
               <a:pPr/>
-              <a:t>11/30/2019</a:t>
+              <a:t>12/1/2019</a:t>
             </a:fld>
             <a:endParaRPr lang="en-US" dirty="0"/>
           </a:p>
@@ -7957,7 +7957,7 @@
             <a:fld id="{B61BEF0D-F0BB-DE4B-95CE-6DB70DBA9567}" type="datetimeFigureOut">
               <a:rPr lang="en-US" smtClean="0"/>
               <a:pPr/>
-              <a:t>11/30/2019</a:t>
+              <a:t>12/1/2019</a:t>
             </a:fld>
             <a:endParaRPr lang="en-US" dirty="0"/>
           </a:p>
@@ -8129,7 +8129,7 @@
             <a:fld id="{B61BEF0D-F0BB-DE4B-95CE-6DB70DBA9567}" type="datetimeFigureOut">
               <a:rPr lang="en-US" smtClean="0"/>
               <a:pPr/>
-              <a:t>11/30/2019</a:t>
+              <a:t>12/1/2019</a:t>
             </a:fld>
             <a:endParaRPr lang="en-US" dirty="0"/>
           </a:p>
@@ -8474,7 +8474,7 @@
             <a:fld id="{B61BEF0D-F0BB-DE4B-95CE-6DB70DBA9567}" type="datetimeFigureOut">
               <a:rPr lang="en-US" smtClean="0"/>
               <a:pPr/>
-              <a:t>11/30/2019</a:t>
+              <a:t>12/1/2019</a:t>
             </a:fld>
             <a:endParaRPr lang="en-US" dirty="0"/>
           </a:p>
@@ -8751,7 +8751,7 @@
             <a:fld id="{B61BEF0D-F0BB-DE4B-95CE-6DB70DBA9567}" type="datetimeFigureOut">
               <a:rPr lang="en-US" smtClean="0"/>
               <a:pPr/>
-              <a:t>11/30/2019</a:t>
+              <a:t>12/1/2019</a:t>
             </a:fld>
             <a:endParaRPr lang="en-US" dirty="0"/>
           </a:p>
@@ -9132,7 +9132,7 @@
             <a:fld id="{B61BEF0D-F0BB-DE4B-95CE-6DB70DBA9567}" type="datetimeFigureOut">
               <a:rPr lang="en-US" smtClean="0"/>
               <a:pPr/>
-              <a:t>11/30/2019</a:t>
+              <a:t>12/1/2019</a:t>
             </a:fld>
             <a:endParaRPr lang="en-US" dirty="0"/>
           </a:p>
@@ -9252,7 +9252,7 @@
             <a:fld id="{B61BEF0D-F0BB-DE4B-95CE-6DB70DBA9567}" type="datetimeFigureOut">
               <a:rPr lang="en-US" smtClean="0"/>
               <a:pPr/>
-              <a:t>11/30/2019</a:t>
+              <a:t>12/1/2019</a:t>
             </a:fld>
             <a:endParaRPr lang="en-US" dirty="0"/>
           </a:p>
@@ -9425,7 +9425,7 @@
             <a:fld id="{B61BEF0D-F0BB-DE4B-95CE-6DB70DBA9567}" type="datetimeFigureOut">
               <a:rPr lang="en-US" smtClean="0"/>
               <a:pPr/>
-              <a:t>11/30/2019</a:t>
+              <a:t>12/1/2019</a:t>
             </a:fld>
             <a:endParaRPr lang="en-US" dirty="0"/>
           </a:p>
@@ -9781,7 +9781,7 @@
             <a:fld id="{B61BEF0D-F0BB-DE4B-95CE-6DB70DBA9567}" type="datetimeFigureOut">
               <a:rPr lang="en-US" smtClean="0"/>
               <a:pPr/>
-              <a:t>11/30/2019</a:t>
+              <a:t>12/1/2019</a:t>
             </a:fld>
             <a:endParaRPr lang="en-US" dirty="0"/>
           </a:p>
@@ -10160,7 +10160,7 @@
             <a:fld id="{B61BEF0D-F0BB-DE4B-95CE-6DB70DBA9567}" type="datetimeFigureOut">
               <a:rPr lang="en-US" smtClean="0"/>
               <a:pPr/>
-              <a:t>11/30/2019</a:t>
+              <a:t>12/1/2019</a:t>
             </a:fld>
             <a:endParaRPr lang="en-US" dirty="0"/>
           </a:p>
@@ -10449,7 +10449,7 @@
             <a:fld id="{B61BEF0D-F0BB-DE4B-95CE-6DB70DBA9567}" type="datetimeFigureOut">
               <a:rPr lang="en-US" smtClean="0"/>
               <a:pPr/>
-              <a:t>11/30/2019</a:t>
+              <a:t>12/1/2019</a:t>
             </a:fld>
             <a:endParaRPr lang="en-US" dirty="0"/>
           </a:p>
@@ -12302,7 +12302,7 @@
           <a:p>
             <a:r>
               <a:rPr lang="es-CO" sz="2000" dirty="0"/>
-              <a:t>Solicita los siguientes datos:</a:t>
+              <a:t>Solicita los siguientes datos en la vista&lt;:</a:t>
             </a:r>
           </a:p>
           <a:p>
@@ -13423,7 +13423,7 @@
         </p:nvSpPr>
         <p:spPr>
           <a:xfrm>
-            <a:off x="646112" y="1737360"/>
+            <a:off x="646112" y="1824643"/>
             <a:ext cx="9678295" cy="3208713"/>
           </a:xfrm>
         </p:spPr>
@@ -14315,8 +14315,26 @@
                   <a:schemeClr val="tx1"/>
                 </a:solidFill>
               </a:rPr>
-              <a:t>Facilitar el control de inventarios (básica - medicalizada) para las ambulancias.</a:t>
+              <a:t>Facilitar el control de inventarios (básica - medicalizada) para las ambulancias </a:t>
             </a:r>
+            <a:r>
+              <a:rPr lang="es-419" sz="3600" dirty="0">
+                <a:solidFill>
+                  <a:schemeClr val="tx1"/>
+                </a:solidFill>
+              </a:rPr>
+              <a:t>optimizando tiempos gracias a la transición de un proceso manual a uno sistematizado.</a:t>
+            </a:r>
+          </a:p>
+          <a:p>
+            <a:pPr marL="0" indent="0" algn="just">
+              <a:buNone/>
+            </a:pPr>
+            <a:endParaRPr lang="es-419" sz="3500" dirty="0">
+              <a:solidFill>
+                <a:schemeClr val="tx1"/>
+              </a:solidFill>
+            </a:endParaRPr>
           </a:p>
         </p:txBody>
       </p:sp>
@@ -15812,7 +15830,7 @@
                 <a:ea typeface="Roboto" panose="02000000000000000000" pitchFamily="2" charset="0"/>
                 <a:cs typeface="Roboto" panose="02000000000000000000" pitchFamily="2" charset="0"/>
               </a:rPr>
-              <a:t>Alerta de estoque mínimo definido por producto</a:t>
+              <a:t>Alerta de stock mínimo definido por producto</a:t>
             </a:r>
           </a:p>
           <a:p>

--- a/PRESENTACION APP INVENTARIOS.pptx
+++ b/PRESENTACION APP INVENTARIOS.pptx
@@ -1781,6 +1781,13 @@
         </dgm:presLayoutVars>
       </dgm:prSet>
       <dgm:spPr/>
+      <dgm:t>
+        <a:bodyPr/>
+        <a:lstStyle/>
+        <a:p>
+          <a:endParaRPr lang="es-CO"/>
+        </a:p>
+      </dgm:t>
     </dgm:pt>
     <dgm:pt modelId="{A80CD6F2-2BE5-4019-AB35-9F994AFA75C9}" type="pres">
       <dgm:prSet presAssocID="{5C3587EA-29B9-41E5-A884-F02DFD76AE1C}" presName="spacerL" presStyleCnt="0"/>
@@ -1789,6 +1796,13 @@
     <dgm:pt modelId="{D31F8E7C-BCE6-461A-B8EF-C59BE1110319}" type="pres">
       <dgm:prSet presAssocID="{5C3587EA-29B9-41E5-A884-F02DFD76AE1C}" presName="sibTrans" presStyleLbl="sibTrans2D1" presStyleIdx="0" presStyleCnt="2"/>
       <dgm:spPr/>
+      <dgm:t>
+        <a:bodyPr/>
+        <a:lstStyle/>
+        <a:p>
+          <a:endParaRPr lang="es-CO"/>
+        </a:p>
+      </dgm:t>
     </dgm:pt>
     <dgm:pt modelId="{887C7FD3-1208-4F20-A618-8CBDA1ED3345}" type="pres">
       <dgm:prSet presAssocID="{5C3587EA-29B9-41E5-A884-F02DFD76AE1C}" presName="spacerR" presStyleCnt="0"/>
@@ -1801,6 +1815,13 @@
         </dgm:presLayoutVars>
       </dgm:prSet>
       <dgm:spPr/>
+      <dgm:t>
+        <a:bodyPr/>
+        <a:lstStyle/>
+        <a:p>
+          <a:endParaRPr lang="es-CO"/>
+        </a:p>
+      </dgm:t>
     </dgm:pt>
     <dgm:pt modelId="{73FDA6A9-3D7B-4825-B717-23BB8D3DE308}" type="pres">
       <dgm:prSet presAssocID="{7495979D-1984-41D9-9F03-A19C877A30D3}" presName="spacerL" presStyleCnt="0"/>
@@ -1809,6 +1830,13 @@
     <dgm:pt modelId="{871A5CC5-7458-4A73-83CF-A453FA955ECE}" type="pres">
       <dgm:prSet presAssocID="{7495979D-1984-41D9-9F03-A19C877A30D3}" presName="sibTrans" presStyleLbl="sibTrans2D1" presStyleIdx="1" presStyleCnt="2"/>
       <dgm:spPr/>
+      <dgm:t>
+        <a:bodyPr/>
+        <a:lstStyle/>
+        <a:p>
+          <a:endParaRPr lang="es-CO"/>
+        </a:p>
+      </dgm:t>
     </dgm:pt>
     <dgm:pt modelId="{37CEAF02-C028-46D0-972D-B9B045C00352}" type="pres">
       <dgm:prSet presAssocID="{7495979D-1984-41D9-9F03-A19C877A30D3}" presName="spacerR" presStyleCnt="0"/>
@@ -1821,17 +1849,24 @@
         </dgm:presLayoutVars>
       </dgm:prSet>
       <dgm:spPr/>
+      <dgm:t>
+        <a:bodyPr/>
+        <a:lstStyle/>
+        <a:p>
+          <a:endParaRPr lang="es-CO"/>
+        </a:p>
+      </dgm:t>
     </dgm:pt>
   </dgm:ptLst>
   <dgm:cxnLst>
+    <dgm:cxn modelId="{FB033B86-FD5C-4771-8EEA-3F02ED6780D3}" type="presOf" srcId="{998D33E2-88EB-4F48-9D17-AACBDAC94768}" destId="{30286DE9-DD14-45BA-BFA2-6D0106C02AED}" srcOrd="0" destOrd="0" presId="urn:microsoft.com/office/officeart/2005/8/layout/equation1"/>
+    <dgm:cxn modelId="{44A6967A-392F-465F-ACC4-07AE0EE10F0F}" type="presOf" srcId="{61674FAF-F11A-443F-8DC6-9F88284D75D0}" destId="{0DFF68DB-A493-458A-A9AF-C7753F5E3BC7}" srcOrd="0" destOrd="0" presId="urn:microsoft.com/office/officeart/2005/8/layout/equation1"/>
+    <dgm:cxn modelId="{9AD1E76F-29BA-4E91-A2DB-BD097A588FEA}" type="presOf" srcId="{2A5035E9-89F0-4A67-950D-FEEED78EEFFE}" destId="{3E1FA408-45B0-431F-B39A-E36B95595154}" srcOrd="0" destOrd="0" presId="urn:microsoft.com/office/officeart/2005/8/layout/equation1"/>
+    <dgm:cxn modelId="{A55408DE-B002-4473-B9DF-09753A929453}" srcId="{A4722F81-1BDA-4C43-9831-F3B2ED108C99}" destId="{998D33E2-88EB-4F48-9D17-AACBDAC94768}" srcOrd="0" destOrd="0" parTransId="{6750CEE4-89F2-4437-A716-AE543124110F}" sibTransId="{5C3587EA-29B9-41E5-A884-F02DFD76AE1C}"/>
+    <dgm:cxn modelId="{48B5C8A0-C8C7-4C88-B0AF-62142F477B2F}" type="presOf" srcId="{A4722F81-1BDA-4C43-9831-F3B2ED108C99}" destId="{7BAFFECF-A059-433E-B64F-CC841B391578}" srcOrd="0" destOrd="0" presId="urn:microsoft.com/office/officeart/2005/8/layout/equation1"/>
     <dgm:cxn modelId="{1C972F0A-B423-4219-8B3B-1E301A521480}" srcId="{A4722F81-1BDA-4C43-9831-F3B2ED108C99}" destId="{2A5035E9-89F0-4A67-950D-FEEED78EEFFE}" srcOrd="2" destOrd="0" parTransId="{F82B8538-A449-400A-A59F-54196BDE30BC}" sibTransId="{51201AD3-9097-45A5-8BF7-45BB25514EA9}"/>
     <dgm:cxn modelId="{70C36039-3406-48E8-9139-46BF643C3DFF}" srcId="{A4722F81-1BDA-4C43-9831-F3B2ED108C99}" destId="{61674FAF-F11A-443F-8DC6-9F88284D75D0}" srcOrd="1" destOrd="0" parTransId="{58D08EEC-9BC3-4047-8C3A-65F84DC962DA}" sibTransId="{7495979D-1984-41D9-9F03-A19C877A30D3}"/>
-    <dgm:cxn modelId="{9AD1E76F-29BA-4E91-A2DB-BD097A588FEA}" type="presOf" srcId="{2A5035E9-89F0-4A67-950D-FEEED78EEFFE}" destId="{3E1FA408-45B0-431F-B39A-E36B95595154}" srcOrd="0" destOrd="0" presId="urn:microsoft.com/office/officeart/2005/8/layout/equation1"/>
-    <dgm:cxn modelId="{44A6967A-392F-465F-ACC4-07AE0EE10F0F}" type="presOf" srcId="{61674FAF-F11A-443F-8DC6-9F88284D75D0}" destId="{0DFF68DB-A493-458A-A9AF-C7753F5E3BC7}" srcOrd="0" destOrd="0" presId="urn:microsoft.com/office/officeart/2005/8/layout/equation1"/>
-    <dgm:cxn modelId="{FB033B86-FD5C-4771-8EEA-3F02ED6780D3}" type="presOf" srcId="{998D33E2-88EB-4F48-9D17-AACBDAC94768}" destId="{30286DE9-DD14-45BA-BFA2-6D0106C02AED}" srcOrd="0" destOrd="0" presId="urn:microsoft.com/office/officeart/2005/8/layout/equation1"/>
-    <dgm:cxn modelId="{48B5C8A0-C8C7-4C88-B0AF-62142F477B2F}" type="presOf" srcId="{A4722F81-1BDA-4C43-9831-F3B2ED108C99}" destId="{7BAFFECF-A059-433E-B64F-CC841B391578}" srcOrd="0" destOrd="0" presId="urn:microsoft.com/office/officeart/2005/8/layout/equation1"/>
     <dgm:cxn modelId="{45AABDD2-F3C1-4C0D-8CB2-EE541D95E473}" type="presOf" srcId="{5C3587EA-29B9-41E5-A884-F02DFD76AE1C}" destId="{D31F8E7C-BCE6-461A-B8EF-C59BE1110319}" srcOrd="0" destOrd="0" presId="urn:microsoft.com/office/officeart/2005/8/layout/equation1"/>
-    <dgm:cxn modelId="{A55408DE-B002-4473-B9DF-09753A929453}" srcId="{A4722F81-1BDA-4C43-9831-F3B2ED108C99}" destId="{998D33E2-88EB-4F48-9D17-AACBDAC94768}" srcOrd="0" destOrd="0" parTransId="{6750CEE4-89F2-4437-A716-AE543124110F}" sibTransId="{5C3587EA-29B9-41E5-A884-F02DFD76AE1C}"/>
     <dgm:cxn modelId="{0034F4EB-386E-49A1-B9AC-18B9BCFA1CFC}" type="presOf" srcId="{7495979D-1984-41D9-9F03-A19C877A30D3}" destId="{871A5CC5-7458-4A73-83CF-A453FA955ECE}" srcOrd="0" destOrd="0" presId="urn:microsoft.com/office/officeart/2005/8/layout/equation1"/>
     <dgm:cxn modelId="{D448207C-6D42-479A-94FE-BD53CE1BFD2D}" type="presParOf" srcId="{7BAFFECF-A059-433E-B64F-CC841B391578}" destId="{30286DE9-DD14-45BA-BFA2-6D0106C02AED}" srcOrd="0" destOrd="0" presId="urn:microsoft.com/office/officeart/2005/8/layout/equation1"/>
     <dgm:cxn modelId="{0F6B6CA0-A492-4D34-9100-01901D529F23}" type="presParOf" srcId="{7BAFFECF-A059-433E-B64F-CC841B391578}" destId="{A80CD6F2-2BE5-4019-AB35-9F994AFA75C9}" srcOrd="1" destOrd="0" presId="urn:microsoft.com/office/officeart/2005/8/layout/equation1"/>
@@ -2444,6 +2479,13 @@
         </dgm:presLayoutVars>
       </dgm:prSet>
       <dgm:spPr/>
+      <dgm:t>
+        <a:bodyPr/>
+        <a:lstStyle/>
+        <a:p>
+          <a:endParaRPr lang="es-CO"/>
+        </a:p>
+      </dgm:t>
     </dgm:pt>
     <dgm:pt modelId="{6BD7537D-E1EB-4110-A237-1CE83323CC51}" type="pres">
       <dgm:prSet presAssocID="{EBBC0F2E-7046-4D1F-8051-F9A8D45E9390}" presName="tSp" presStyleCnt="0"/>
@@ -2472,6 +2514,13 @@
         </dgm:presLayoutVars>
       </dgm:prSet>
       <dgm:spPr/>
+      <dgm:t>
+        <a:bodyPr/>
+        <a:lstStyle/>
+        <a:p>
+          <a:endParaRPr lang="es-CO"/>
+        </a:p>
+      </dgm:t>
     </dgm:pt>
     <dgm:pt modelId="{49D3F270-92A3-43A2-94E3-67E3A56B7165}" type="pres">
       <dgm:prSet presAssocID="{B56B8C76-257F-483A-8046-8523ED9752E0}" presName="childNode1tx" presStyleLbl="bgAcc1" presStyleIdx="0" presStyleCnt="4">
@@ -2480,6 +2529,13 @@
         </dgm:presLayoutVars>
       </dgm:prSet>
       <dgm:spPr/>
+      <dgm:t>
+        <a:bodyPr/>
+        <a:lstStyle/>
+        <a:p>
+          <a:endParaRPr lang="es-CO"/>
+        </a:p>
+      </dgm:t>
     </dgm:pt>
     <dgm:pt modelId="{06EA58A0-6AEA-44FE-BE16-6DFE78AB91EF}" type="pres">
       <dgm:prSet presAssocID="{B56B8C76-257F-483A-8046-8523ED9752E0}" presName="parentNode1" presStyleLbl="node1" presStyleIdx="0" presStyleCnt="4" custLinFactNeighborY="28758">
@@ -2489,6 +2545,13 @@
         </dgm:presLayoutVars>
       </dgm:prSet>
       <dgm:spPr/>
+      <dgm:t>
+        <a:bodyPr/>
+        <a:lstStyle/>
+        <a:p>
+          <a:endParaRPr lang="es-CO"/>
+        </a:p>
+      </dgm:t>
     </dgm:pt>
     <dgm:pt modelId="{AC8DA223-2B17-4ED8-A4AC-6CDE7B02D52E}" type="pres">
       <dgm:prSet presAssocID="{B56B8C76-257F-483A-8046-8523ED9752E0}" presName="connSite1" presStyleCnt="0"/>
@@ -2497,6 +2560,13 @@
     <dgm:pt modelId="{BC0BA892-C70C-462B-8678-A00B53EE2E7A}" type="pres">
       <dgm:prSet presAssocID="{7A81B526-6B11-43E4-AA9C-91D8C759B730}" presName="Name9" presStyleLbl="sibTrans2D1" presStyleIdx="0" presStyleCnt="3"/>
       <dgm:spPr/>
+      <dgm:t>
+        <a:bodyPr/>
+        <a:lstStyle/>
+        <a:p>
+          <a:endParaRPr lang="es-CO"/>
+        </a:p>
+      </dgm:t>
     </dgm:pt>
     <dgm:pt modelId="{75B20EAF-BCDD-4317-98F2-41669F339E7C}" type="pres">
       <dgm:prSet presAssocID="{A389AF2B-242D-4412-BD66-9C828FB7E152}" presName="composite2" presStyleCnt="0"/>
@@ -2513,6 +2583,13 @@
         </dgm:presLayoutVars>
       </dgm:prSet>
       <dgm:spPr/>
+      <dgm:t>
+        <a:bodyPr/>
+        <a:lstStyle/>
+        <a:p>
+          <a:endParaRPr lang="es-CO"/>
+        </a:p>
+      </dgm:t>
     </dgm:pt>
     <dgm:pt modelId="{73360CF9-C68E-4820-9610-FBBB1DBF7EE5}" type="pres">
       <dgm:prSet presAssocID="{A389AF2B-242D-4412-BD66-9C828FB7E152}" presName="childNode2tx" presStyleLbl="bgAcc1" presStyleIdx="1" presStyleCnt="4">
@@ -2521,6 +2598,13 @@
         </dgm:presLayoutVars>
       </dgm:prSet>
       <dgm:spPr/>
+      <dgm:t>
+        <a:bodyPr/>
+        <a:lstStyle/>
+        <a:p>
+          <a:endParaRPr lang="es-CO"/>
+        </a:p>
+      </dgm:t>
     </dgm:pt>
     <dgm:pt modelId="{02601AD7-AD6D-43BC-89DD-7A375109D89B}" type="pres">
       <dgm:prSet presAssocID="{A389AF2B-242D-4412-BD66-9C828FB7E152}" presName="parentNode2" presStyleLbl="node1" presStyleIdx="1" presStyleCnt="4" custLinFactNeighborY="-32333">
@@ -2530,6 +2614,13 @@
         </dgm:presLayoutVars>
       </dgm:prSet>
       <dgm:spPr/>
+      <dgm:t>
+        <a:bodyPr/>
+        <a:lstStyle/>
+        <a:p>
+          <a:endParaRPr lang="es-CO"/>
+        </a:p>
+      </dgm:t>
     </dgm:pt>
     <dgm:pt modelId="{DF60D712-B8C0-4076-B914-C433DCDC2115}" type="pres">
       <dgm:prSet presAssocID="{A389AF2B-242D-4412-BD66-9C828FB7E152}" presName="connSite2" presStyleCnt="0"/>
@@ -2538,6 +2629,13 @@
     <dgm:pt modelId="{AAEA2C8E-2BFC-4946-87AF-96141C2EBAED}" type="pres">
       <dgm:prSet presAssocID="{DEC51881-4A36-4A11-A453-E6157D2D5442}" presName="Name18" presStyleLbl="sibTrans2D1" presStyleIdx="1" presStyleCnt="3"/>
       <dgm:spPr/>
+      <dgm:t>
+        <a:bodyPr/>
+        <a:lstStyle/>
+        <a:p>
+          <a:endParaRPr lang="es-CO"/>
+        </a:p>
+      </dgm:t>
     </dgm:pt>
     <dgm:pt modelId="{78925871-7E77-4376-9B4F-5C0BE1DD7127}" type="pres">
       <dgm:prSet presAssocID="{E188499F-6EF3-45E2-89A8-90148B1DFEE6}" presName="composite1" presStyleCnt="0"/>
@@ -2554,6 +2652,13 @@
         </dgm:presLayoutVars>
       </dgm:prSet>
       <dgm:spPr/>
+      <dgm:t>
+        <a:bodyPr/>
+        <a:lstStyle/>
+        <a:p>
+          <a:endParaRPr lang="es-CO"/>
+        </a:p>
+      </dgm:t>
     </dgm:pt>
     <dgm:pt modelId="{F99AF03E-D945-4106-915D-095490216129}" type="pres">
       <dgm:prSet presAssocID="{E188499F-6EF3-45E2-89A8-90148B1DFEE6}" presName="childNode1tx" presStyleLbl="bgAcc1" presStyleIdx="2" presStyleCnt="4">
@@ -2562,6 +2667,13 @@
         </dgm:presLayoutVars>
       </dgm:prSet>
       <dgm:spPr/>
+      <dgm:t>
+        <a:bodyPr/>
+        <a:lstStyle/>
+        <a:p>
+          <a:endParaRPr lang="es-CO"/>
+        </a:p>
+      </dgm:t>
     </dgm:pt>
     <dgm:pt modelId="{4FC4747B-FC83-4926-83EC-C45CBFB1AE0E}" type="pres">
       <dgm:prSet presAssocID="{E188499F-6EF3-45E2-89A8-90148B1DFEE6}" presName="parentNode1" presStyleLbl="node1" presStyleIdx="2" presStyleCnt="4" custLinFactNeighborX="-4296" custLinFactNeighborY="38345">
@@ -2571,6 +2683,13 @@
         </dgm:presLayoutVars>
       </dgm:prSet>
       <dgm:spPr/>
+      <dgm:t>
+        <a:bodyPr/>
+        <a:lstStyle/>
+        <a:p>
+          <a:endParaRPr lang="es-CO"/>
+        </a:p>
+      </dgm:t>
     </dgm:pt>
     <dgm:pt modelId="{68BE0053-AFA7-45CE-B394-6717C1DB9DA1}" type="pres">
       <dgm:prSet presAssocID="{E188499F-6EF3-45E2-89A8-90148B1DFEE6}" presName="connSite1" presStyleCnt="0"/>
@@ -2579,6 +2698,13 @@
     <dgm:pt modelId="{43C7371B-8F9A-4697-9E35-1211AC4956D8}" type="pres">
       <dgm:prSet presAssocID="{0CACD7F3-EF57-4586-8390-405C4A049BD4}" presName="Name9" presStyleLbl="sibTrans2D1" presStyleIdx="2" presStyleCnt="3"/>
       <dgm:spPr/>
+      <dgm:t>
+        <a:bodyPr/>
+        <a:lstStyle/>
+        <a:p>
+          <a:endParaRPr lang="es-CO"/>
+        </a:p>
+      </dgm:t>
     </dgm:pt>
     <dgm:pt modelId="{7770F877-FB92-4D31-9427-377958E71327}" type="pres">
       <dgm:prSet presAssocID="{546640DA-8B9B-4187-9A5A-D49973F9434F}" presName="composite2" presStyleCnt="0"/>
@@ -2595,6 +2721,13 @@
         </dgm:presLayoutVars>
       </dgm:prSet>
       <dgm:spPr/>
+      <dgm:t>
+        <a:bodyPr/>
+        <a:lstStyle/>
+        <a:p>
+          <a:endParaRPr lang="es-CO"/>
+        </a:p>
+      </dgm:t>
     </dgm:pt>
     <dgm:pt modelId="{BB58C16F-B365-43B6-8F67-630A75FB4E13}" type="pres">
       <dgm:prSet presAssocID="{546640DA-8B9B-4187-9A5A-D49973F9434F}" presName="childNode2tx" presStyleLbl="bgAcc1" presStyleIdx="3" presStyleCnt="4">
@@ -2603,6 +2736,13 @@
         </dgm:presLayoutVars>
       </dgm:prSet>
       <dgm:spPr/>
+      <dgm:t>
+        <a:bodyPr/>
+        <a:lstStyle/>
+        <a:p>
+          <a:endParaRPr lang="es-CO"/>
+        </a:p>
+      </dgm:t>
     </dgm:pt>
     <dgm:pt modelId="{5F8169D7-FE7F-403F-AE18-582389BCBB64}" type="pres">
       <dgm:prSet presAssocID="{546640DA-8B9B-4187-9A5A-D49973F9434F}" presName="parentNode2" presStyleLbl="node1" presStyleIdx="3" presStyleCnt="4" custLinFactNeighborX="355" custLinFactNeighborY="-26827">
@@ -2612,6 +2752,13 @@
         </dgm:presLayoutVars>
       </dgm:prSet>
       <dgm:spPr/>
+      <dgm:t>
+        <a:bodyPr/>
+        <a:lstStyle/>
+        <a:p>
+          <a:endParaRPr lang="es-CO"/>
+        </a:p>
+      </dgm:t>
     </dgm:pt>
     <dgm:pt modelId="{389A059F-CA8C-4A8E-A534-6B902D13C75B}" type="pres">
       <dgm:prSet presAssocID="{546640DA-8B9B-4187-9A5A-D49973F9434F}" presName="connSite2" presStyleCnt="0"/>
@@ -2619,54 +2766,54 @@
     </dgm:pt>
   </dgm:ptLst>
   <dgm:cxnLst>
+    <dgm:cxn modelId="{E01E83CB-3FB7-4722-8E96-3CC662719298}" srcId="{546640DA-8B9B-4187-9A5A-D49973F9434F}" destId="{E7EDC845-522A-41B9-A42F-BF6B8314F88B}" srcOrd="0" destOrd="0" parTransId="{EEF9CFC7-B32A-48CB-BE72-93B25FFFC0F9}" sibTransId="{EDDAB977-8AAF-4B01-8130-D3A6457231DB}"/>
+    <dgm:cxn modelId="{E6E244CF-A3C4-4A7C-952E-44B0EEFD5A34}" srcId="{EBBC0F2E-7046-4D1F-8051-F9A8D45E9390}" destId="{E188499F-6EF3-45E2-89A8-90148B1DFEE6}" srcOrd="2" destOrd="0" parTransId="{C5FE1938-0DC4-4D1F-9EBE-3E538EBBAE61}" sibTransId="{0CACD7F3-EF57-4586-8390-405C4A049BD4}"/>
+    <dgm:cxn modelId="{9266AD3C-2DF9-4960-9FDF-3321069C4334}" type="presOf" srcId="{89AADCAC-4D55-407B-966E-6CD5D5273A88}" destId="{73360CF9-C68E-4820-9610-FBBB1DBF7EE5}" srcOrd="1" destOrd="1" presId="urn:microsoft.com/office/officeart/2005/8/layout/hProcess4"/>
+    <dgm:cxn modelId="{E4E287A5-E0C6-480D-805D-DD000E888832}" type="presOf" srcId="{7A81B526-6B11-43E4-AA9C-91D8C759B730}" destId="{BC0BA892-C70C-462B-8678-A00B53EE2E7A}" srcOrd="0" destOrd="0" presId="urn:microsoft.com/office/officeart/2005/8/layout/hProcess4"/>
+    <dgm:cxn modelId="{4A837077-FA17-4656-B6BB-94646530D023}" type="presOf" srcId="{6EBFB28F-D351-4097-80D8-5BA650E4CC8F}" destId="{8E8B031D-8770-42E7-A993-54DE23804B7C}" srcOrd="0" destOrd="1" presId="urn:microsoft.com/office/officeart/2005/8/layout/hProcess4"/>
+    <dgm:cxn modelId="{71E4553B-5839-481C-A1BF-1E98FC358EC4}" srcId="{E188499F-6EF3-45E2-89A8-90148B1DFEE6}" destId="{84E80ADE-242F-4EB5-981D-9A4940642052}" srcOrd="4" destOrd="0" parTransId="{6E212FD1-DE91-41A2-9EEE-7A9414A11D1F}" sibTransId="{19AF31B1-1C17-426A-84FF-A5FC9EDB3C4B}"/>
     <dgm:cxn modelId="{592F1109-3439-409C-A2B0-8B5E932E1AF4}" type="presOf" srcId="{042B52A5-DE29-463A-B591-FC9A0A335129}" destId="{DC27054A-FFAA-4E91-A54E-D1B8BF151029}" srcOrd="0" destOrd="1" presId="urn:microsoft.com/office/officeart/2005/8/layout/hProcess4"/>
+    <dgm:cxn modelId="{0DFA64E1-9629-43F8-BC91-DDCC6DBB59B9}" srcId="{E188499F-6EF3-45E2-89A8-90148B1DFEE6}" destId="{FF7D3AA7-8266-4D13-A79B-3E667FA5EA1E}" srcOrd="5" destOrd="0" parTransId="{D656628F-E97F-489B-86FC-BB8D783FEBFC}" sibTransId="{25A0EE80-D0A4-4EBA-BA7A-1AF8E7C3E5F6}"/>
+    <dgm:cxn modelId="{747C569F-E155-47F1-B4BF-DA3586758789}" type="presOf" srcId="{A389AF2B-242D-4412-BD66-9C828FB7E152}" destId="{02601AD7-AD6D-43BC-89DD-7A375109D89B}" srcOrd="0" destOrd="0" presId="urn:microsoft.com/office/officeart/2005/8/layout/hProcess4"/>
+    <dgm:cxn modelId="{9DED4240-0B09-4F85-95C4-1CD2231B86C6}" srcId="{E188499F-6EF3-45E2-89A8-90148B1DFEE6}" destId="{042B52A5-DE29-463A-B591-FC9A0A335129}" srcOrd="1" destOrd="0" parTransId="{0A225BA0-8662-4338-B650-2F1D864F0A1F}" sibTransId="{89DA0F86-EB1C-4B7C-898B-F9E918B65840}"/>
+    <dgm:cxn modelId="{FFE79F4F-BD50-49CB-B873-45F045033F86}" type="presOf" srcId="{AA884888-BECA-49CF-A4B2-443CF58C09E0}" destId="{F99AF03E-D945-4106-915D-095490216129}" srcOrd="1" destOrd="2" presId="urn:microsoft.com/office/officeart/2005/8/layout/hProcess4"/>
+    <dgm:cxn modelId="{94E4264B-9A72-449B-9913-457E42944F0B}" type="presOf" srcId="{E7EDC845-522A-41B9-A42F-BF6B8314F88B}" destId="{8E8B031D-8770-42E7-A993-54DE23804B7C}" srcOrd="0" destOrd="0" presId="urn:microsoft.com/office/officeart/2005/8/layout/hProcess4"/>
+    <dgm:cxn modelId="{091E5042-B4A3-4827-8D7C-5EF60F881EEA}" srcId="{B56B8C76-257F-483A-8046-8523ED9752E0}" destId="{A2F693FE-A76F-4679-AD33-C073B461481C}" srcOrd="0" destOrd="0" parTransId="{C4B9137B-5A8F-4D76-AD8B-48F62B24D8B9}" sibTransId="{B1D30A36-744E-4454-A0BB-DB511B92C842}"/>
+    <dgm:cxn modelId="{FA9A250E-A344-43D2-B669-340285AB24D5}" srcId="{EBBC0F2E-7046-4D1F-8051-F9A8D45E9390}" destId="{B56B8C76-257F-483A-8046-8523ED9752E0}" srcOrd="0" destOrd="0" parTransId="{E73C1903-F2B6-4562-A2E1-23007BF8ACDF}" sibTransId="{7A81B526-6B11-43E4-AA9C-91D8C759B730}"/>
+    <dgm:cxn modelId="{90100313-857D-4ABE-B3EB-7445C577745E}" type="presOf" srcId="{A2F693FE-A76F-4679-AD33-C073B461481C}" destId="{53535D65-1EEF-4689-8415-5C4823FA3587}" srcOrd="0" destOrd="0" presId="urn:microsoft.com/office/officeart/2005/8/layout/hProcess4"/>
+    <dgm:cxn modelId="{4E71D2CE-28F9-4998-B826-5346E2D59047}" type="presOf" srcId="{89AADCAC-4D55-407B-966E-6CD5D5273A88}" destId="{6EBDC700-D123-4640-AE54-00248844D203}" srcOrd="0" destOrd="1" presId="urn:microsoft.com/office/officeart/2005/8/layout/hProcess4"/>
+    <dgm:cxn modelId="{EBB0C84A-2771-4748-8A49-514187E59E8E}" type="presOf" srcId="{DEC51881-4A36-4A11-A453-E6157D2D5442}" destId="{AAEA2C8E-2BFC-4946-87AF-96141C2EBAED}" srcOrd="0" destOrd="0" presId="urn:microsoft.com/office/officeart/2005/8/layout/hProcess4"/>
+    <dgm:cxn modelId="{A65B27AA-C5C7-42ED-84D2-9910AB3179F8}" type="presOf" srcId="{FF7D3AA7-8266-4D13-A79B-3E667FA5EA1E}" destId="{DC27054A-FFAA-4E91-A54E-D1B8BF151029}" srcOrd="0" destOrd="5" presId="urn:microsoft.com/office/officeart/2005/8/layout/hProcess4"/>
+    <dgm:cxn modelId="{F8A830CF-BF08-4DE8-A2A0-84DA9144E040}" srcId="{EBBC0F2E-7046-4D1F-8051-F9A8D45E9390}" destId="{A389AF2B-242D-4412-BD66-9C828FB7E152}" srcOrd="1" destOrd="0" parTransId="{4CFE8E8A-1C4A-4CE1-899B-EB3FE614A296}" sibTransId="{DEC51881-4A36-4A11-A453-E6157D2D5442}"/>
+    <dgm:cxn modelId="{139E1F44-A827-4C44-91E0-EB2E26784DD0}" type="presOf" srcId="{EBBC0F2E-7046-4D1F-8051-F9A8D45E9390}" destId="{5C326B67-E3F6-4DE6-8CC6-5C669261C568}" srcOrd="0" destOrd="0" presId="urn:microsoft.com/office/officeart/2005/8/layout/hProcess4"/>
+    <dgm:cxn modelId="{09F49182-CE8A-4BAE-BF73-AEFDD00AB5B4}" type="presOf" srcId="{44025E99-B412-4FC9-8D13-1AC842AC121E}" destId="{6EBDC700-D123-4640-AE54-00248844D203}" srcOrd="0" destOrd="0" presId="urn:microsoft.com/office/officeart/2005/8/layout/hProcess4"/>
+    <dgm:cxn modelId="{0E9517F2-285D-4FB9-9593-1C64BE6CFE65}" type="presOf" srcId="{E188499F-6EF3-45E2-89A8-90148B1DFEE6}" destId="{4FC4747B-FC83-4926-83EC-C45CBFB1AE0E}" srcOrd="0" destOrd="0" presId="urn:microsoft.com/office/officeart/2005/8/layout/hProcess4"/>
+    <dgm:cxn modelId="{6EA82C94-410C-414D-99C7-D0E99AEABC5C}" type="presOf" srcId="{042B52A5-DE29-463A-B591-FC9A0A335129}" destId="{F99AF03E-D945-4106-915D-095490216129}" srcOrd="1" destOrd="1" presId="urn:microsoft.com/office/officeart/2005/8/layout/hProcess4"/>
+    <dgm:cxn modelId="{CB5FD589-350A-49A9-B021-7548B6DFF5FA}" type="presOf" srcId="{546640DA-8B9B-4187-9A5A-D49973F9434F}" destId="{5F8169D7-FE7F-403F-AE18-582389BCBB64}" srcOrd="0" destOrd="0" presId="urn:microsoft.com/office/officeart/2005/8/layout/hProcess4"/>
+    <dgm:cxn modelId="{A94C2A43-E7B8-4DDB-BA44-966C186FDC14}" type="presOf" srcId="{E55F1FCA-0F16-4D26-A7DB-0B94B1AE2B9B}" destId="{F99AF03E-D945-4106-915D-095490216129}" srcOrd="1" destOrd="0" presId="urn:microsoft.com/office/officeart/2005/8/layout/hProcess4"/>
+    <dgm:cxn modelId="{DCDDF391-31F0-4782-AC9D-8C44F6E0F835}" srcId="{A389AF2B-242D-4412-BD66-9C828FB7E152}" destId="{89AADCAC-4D55-407B-966E-6CD5D5273A88}" srcOrd="1" destOrd="0" parTransId="{ED8614D5-B15A-421B-B253-64020729A123}" sibTransId="{B505A493-398B-4E84-B53F-3B7F3ACB6450}"/>
+    <dgm:cxn modelId="{1A37CB37-8EF3-4D98-8D65-9D2BC23BD55A}" type="presOf" srcId="{6EBFB28F-D351-4097-80D8-5BA650E4CC8F}" destId="{BB58C16F-B365-43B6-8F67-630A75FB4E13}" srcOrd="1" destOrd="1" presId="urn:microsoft.com/office/officeart/2005/8/layout/hProcess4"/>
+    <dgm:cxn modelId="{F50EBE35-54C9-4050-AFBE-DFD6490BA9C7}" srcId="{EBBC0F2E-7046-4D1F-8051-F9A8D45E9390}" destId="{546640DA-8B9B-4187-9A5A-D49973F9434F}" srcOrd="3" destOrd="0" parTransId="{06CB7727-3380-4379-831B-57685B18A7C8}" sibTransId="{AD6425EF-9CF1-46DF-8912-BA0E50D8DF17}"/>
+    <dgm:cxn modelId="{4ED8ECD0-35AF-463F-BC86-47F8D39387EF}" type="presOf" srcId="{0CACD7F3-EF57-4586-8390-405C4A049BD4}" destId="{43C7371B-8F9A-4697-9E35-1211AC4956D8}" srcOrd="0" destOrd="0" presId="urn:microsoft.com/office/officeart/2005/8/layout/hProcess4"/>
     <dgm:cxn modelId="{CF60F40A-A1D9-4F58-AC60-378BB50D0515}" type="presOf" srcId="{84E80ADE-242F-4EB5-981D-9A4940642052}" destId="{DC27054A-FFAA-4E91-A54E-D1B8BF151029}" srcOrd="0" destOrd="4" presId="urn:microsoft.com/office/officeart/2005/8/layout/hProcess4"/>
+    <dgm:cxn modelId="{AAD2FA3B-3B40-498A-B8EF-F39611ADEED2}" type="presOf" srcId="{F37359C2-24DE-4F98-B060-69495CBA0910}" destId="{73360CF9-C68E-4820-9610-FBBB1DBF7EE5}" srcOrd="1" destOrd="2" presId="urn:microsoft.com/office/officeart/2005/8/layout/hProcess4"/>
+    <dgm:cxn modelId="{DD81A30F-D03F-45E0-B674-A29BA043C74A}" type="presOf" srcId="{2F98036E-6A62-4C7F-ABF9-F8FC27AF3A9C}" destId="{F99AF03E-D945-4106-915D-095490216129}" srcOrd="1" destOrd="3" presId="urn:microsoft.com/office/officeart/2005/8/layout/hProcess4"/>
+    <dgm:cxn modelId="{BAA67AB5-3DF1-42E1-9ACF-88FC73B872B9}" type="presOf" srcId="{A2F693FE-A76F-4679-AD33-C073B461481C}" destId="{49D3F270-92A3-43A2-94E3-67E3A56B7165}" srcOrd="1" destOrd="0" presId="urn:microsoft.com/office/officeart/2005/8/layout/hProcess4"/>
+    <dgm:cxn modelId="{240532CD-DAAC-425E-877E-D913D684EB79}" type="presOf" srcId="{F37359C2-24DE-4F98-B060-69495CBA0910}" destId="{6EBDC700-D123-4640-AE54-00248844D203}" srcOrd="0" destOrd="2" presId="urn:microsoft.com/office/officeart/2005/8/layout/hProcess4"/>
     <dgm:cxn modelId="{F0316E0B-D7B0-40D4-AC3F-7788962A8DBF}" srcId="{A389AF2B-242D-4412-BD66-9C828FB7E152}" destId="{F37359C2-24DE-4F98-B060-69495CBA0910}" srcOrd="2" destOrd="0" parTransId="{BD3E4960-C8FE-4785-A262-0E0FA2935893}" sibTransId="{E70C4928-3EDD-49D4-853E-3EF9174866A6}"/>
-    <dgm:cxn modelId="{FA9A250E-A344-43D2-B669-340285AB24D5}" srcId="{EBBC0F2E-7046-4D1F-8051-F9A8D45E9390}" destId="{B56B8C76-257F-483A-8046-8523ED9752E0}" srcOrd="0" destOrd="0" parTransId="{E73C1903-F2B6-4562-A2E1-23007BF8ACDF}" sibTransId="{7A81B526-6B11-43E4-AA9C-91D8C759B730}"/>
-    <dgm:cxn modelId="{DD81A30F-D03F-45E0-B674-A29BA043C74A}" type="presOf" srcId="{2F98036E-6A62-4C7F-ABF9-F8FC27AF3A9C}" destId="{F99AF03E-D945-4106-915D-095490216129}" srcOrd="1" destOrd="3" presId="urn:microsoft.com/office/officeart/2005/8/layout/hProcess4"/>
-    <dgm:cxn modelId="{90100313-857D-4ABE-B3EB-7445C577745E}" type="presOf" srcId="{A2F693FE-A76F-4679-AD33-C073B461481C}" destId="{53535D65-1EEF-4689-8415-5C4823FA3587}" srcOrd="0" destOrd="0" presId="urn:microsoft.com/office/officeart/2005/8/layout/hProcess4"/>
+    <dgm:cxn modelId="{529AB86D-6056-41AA-9C41-44FDA0AAD9B0}" type="presOf" srcId="{44025E99-B412-4FC9-8D13-1AC842AC121E}" destId="{73360CF9-C68E-4820-9610-FBBB1DBF7EE5}" srcOrd="1" destOrd="0" presId="urn:microsoft.com/office/officeart/2005/8/layout/hProcess4"/>
+    <dgm:cxn modelId="{8204444D-715D-46E5-B9F8-E234E599CF11}" type="presOf" srcId="{FF7D3AA7-8266-4D13-A79B-3E667FA5EA1E}" destId="{F99AF03E-D945-4106-915D-095490216129}" srcOrd="1" destOrd="5" presId="urn:microsoft.com/office/officeart/2005/8/layout/hProcess4"/>
+    <dgm:cxn modelId="{E3C158E6-FA1F-4E26-897D-255EC119D119}" srcId="{A389AF2B-242D-4412-BD66-9C828FB7E152}" destId="{44025E99-B412-4FC9-8D13-1AC842AC121E}" srcOrd="0" destOrd="0" parTransId="{A2B361AC-6613-43E2-9422-7A40897CEF7E}" sibTransId="{8AF32978-0C57-4465-8493-6C731562C0A5}"/>
+    <dgm:cxn modelId="{0179AF64-80FA-4795-B2F1-E0A453B0D9B4}" type="presOf" srcId="{E55F1FCA-0F16-4D26-A7DB-0B94B1AE2B9B}" destId="{DC27054A-FFAA-4E91-A54E-D1B8BF151029}" srcOrd="0" destOrd="0" presId="urn:microsoft.com/office/officeart/2005/8/layout/hProcess4"/>
+    <dgm:cxn modelId="{87F83931-6FFF-494E-9FBA-8F5952326D9F}" srcId="{E188499F-6EF3-45E2-89A8-90148B1DFEE6}" destId="{E55F1FCA-0F16-4D26-A7DB-0B94B1AE2B9B}" srcOrd="0" destOrd="0" parTransId="{B85209F8-F4EB-455D-A11A-4F62EE2714BA}" sibTransId="{B2D3B6D5-0825-42D2-AD49-38D456F63789}"/>
+    <dgm:cxn modelId="{6ED878A9-0A64-4391-9588-26685D322BF5}" type="presOf" srcId="{AA884888-BECA-49CF-A4B2-443CF58C09E0}" destId="{DC27054A-FFAA-4E91-A54E-D1B8BF151029}" srcOrd="0" destOrd="2" presId="urn:microsoft.com/office/officeart/2005/8/layout/hProcess4"/>
+    <dgm:cxn modelId="{97E4F846-47C6-436C-9A43-02E977E40999}" srcId="{E188499F-6EF3-45E2-89A8-90148B1DFEE6}" destId="{2F98036E-6A62-4C7F-ABF9-F8FC27AF3A9C}" srcOrd="3" destOrd="0" parTransId="{B1B871D6-A074-4A74-844E-05E84092A125}" sibTransId="{165226CA-9407-4A83-B825-A3F6E24CA310}"/>
+    <dgm:cxn modelId="{43185F2D-E6BE-46F5-9774-4FB3D0A54C8F}" type="presOf" srcId="{B56B8C76-257F-483A-8046-8523ED9752E0}" destId="{06EA58A0-6AEA-44FE-BE16-6DFE78AB91EF}" srcOrd="0" destOrd="0" presId="urn:microsoft.com/office/officeart/2005/8/layout/hProcess4"/>
+    <dgm:cxn modelId="{796E6286-99FE-4155-B2E7-CC5E5A1D25D1}" srcId="{E188499F-6EF3-45E2-89A8-90148B1DFEE6}" destId="{AA884888-BECA-49CF-A4B2-443CF58C09E0}" srcOrd="2" destOrd="0" parTransId="{87F6BF43-7845-4520-9ED0-100A6C475799}" sibTransId="{A3CE6F0B-559A-4FEB-96E9-125FFF218FCA}"/>
+    <dgm:cxn modelId="{B8F24FB2-7856-42A0-9B01-30FE3203B046}" type="presOf" srcId="{2F98036E-6A62-4C7F-ABF9-F8FC27AF3A9C}" destId="{DC27054A-FFAA-4E91-A54E-D1B8BF151029}" srcOrd="0" destOrd="3" presId="urn:microsoft.com/office/officeart/2005/8/layout/hProcess4"/>
+    <dgm:cxn modelId="{5F2003E7-87ED-48D0-AB97-4978F5BA03C2}" srcId="{546640DA-8B9B-4187-9A5A-D49973F9434F}" destId="{6EBFB28F-D351-4097-80D8-5BA650E4CC8F}" srcOrd="1" destOrd="0" parTransId="{F7744CAB-9205-48D0-8483-77482AD3961C}" sibTransId="{19D7667D-ED91-4F05-A72C-BF4E3A11520E}"/>
+    <dgm:cxn modelId="{E6C5E1F8-18F4-4357-838C-DC5E06EF740C}" type="presOf" srcId="{E7EDC845-522A-41B9-A42F-BF6B8314F88B}" destId="{BB58C16F-B365-43B6-8F67-630A75FB4E13}" srcOrd="1" destOrd="0" presId="urn:microsoft.com/office/officeart/2005/8/layout/hProcess4"/>
     <dgm:cxn modelId="{BF63ED20-197B-466C-96BC-E967BCE486F9}" type="presOf" srcId="{84E80ADE-242F-4EB5-981D-9A4940642052}" destId="{F99AF03E-D945-4106-915D-095490216129}" srcOrd="1" destOrd="4" presId="urn:microsoft.com/office/officeart/2005/8/layout/hProcess4"/>
-    <dgm:cxn modelId="{43185F2D-E6BE-46F5-9774-4FB3D0A54C8F}" type="presOf" srcId="{B56B8C76-257F-483A-8046-8523ED9752E0}" destId="{06EA58A0-6AEA-44FE-BE16-6DFE78AB91EF}" srcOrd="0" destOrd="0" presId="urn:microsoft.com/office/officeart/2005/8/layout/hProcess4"/>
-    <dgm:cxn modelId="{87F83931-6FFF-494E-9FBA-8F5952326D9F}" srcId="{E188499F-6EF3-45E2-89A8-90148B1DFEE6}" destId="{E55F1FCA-0F16-4D26-A7DB-0B94B1AE2B9B}" srcOrd="0" destOrd="0" parTransId="{B85209F8-F4EB-455D-A11A-4F62EE2714BA}" sibTransId="{B2D3B6D5-0825-42D2-AD49-38D456F63789}"/>
-    <dgm:cxn modelId="{F50EBE35-54C9-4050-AFBE-DFD6490BA9C7}" srcId="{EBBC0F2E-7046-4D1F-8051-F9A8D45E9390}" destId="{546640DA-8B9B-4187-9A5A-D49973F9434F}" srcOrd="3" destOrd="0" parTransId="{06CB7727-3380-4379-831B-57685B18A7C8}" sibTransId="{AD6425EF-9CF1-46DF-8912-BA0E50D8DF17}"/>
-    <dgm:cxn modelId="{1A37CB37-8EF3-4D98-8D65-9D2BC23BD55A}" type="presOf" srcId="{6EBFB28F-D351-4097-80D8-5BA650E4CC8F}" destId="{BB58C16F-B365-43B6-8F67-630A75FB4E13}" srcOrd="1" destOrd="1" presId="urn:microsoft.com/office/officeart/2005/8/layout/hProcess4"/>
-    <dgm:cxn modelId="{71E4553B-5839-481C-A1BF-1E98FC358EC4}" srcId="{E188499F-6EF3-45E2-89A8-90148B1DFEE6}" destId="{84E80ADE-242F-4EB5-981D-9A4940642052}" srcOrd="4" destOrd="0" parTransId="{6E212FD1-DE91-41A2-9EEE-7A9414A11D1F}" sibTransId="{19AF31B1-1C17-426A-84FF-A5FC9EDB3C4B}"/>
-    <dgm:cxn modelId="{AAD2FA3B-3B40-498A-B8EF-F39611ADEED2}" type="presOf" srcId="{F37359C2-24DE-4F98-B060-69495CBA0910}" destId="{73360CF9-C68E-4820-9610-FBBB1DBF7EE5}" srcOrd="1" destOrd="2" presId="urn:microsoft.com/office/officeart/2005/8/layout/hProcess4"/>
-    <dgm:cxn modelId="{9266AD3C-2DF9-4960-9FDF-3321069C4334}" type="presOf" srcId="{89AADCAC-4D55-407B-966E-6CD5D5273A88}" destId="{73360CF9-C68E-4820-9610-FBBB1DBF7EE5}" srcOrd="1" destOrd="1" presId="urn:microsoft.com/office/officeart/2005/8/layout/hProcess4"/>
-    <dgm:cxn modelId="{9DED4240-0B09-4F85-95C4-1CD2231B86C6}" srcId="{E188499F-6EF3-45E2-89A8-90148B1DFEE6}" destId="{042B52A5-DE29-463A-B591-FC9A0A335129}" srcOrd="1" destOrd="0" parTransId="{0A225BA0-8662-4338-B650-2F1D864F0A1F}" sibTransId="{89DA0F86-EB1C-4B7C-898B-F9E918B65840}"/>
-    <dgm:cxn modelId="{091E5042-B4A3-4827-8D7C-5EF60F881EEA}" srcId="{B56B8C76-257F-483A-8046-8523ED9752E0}" destId="{A2F693FE-A76F-4679-AD33-C073B461481C}" srcOrd="0" destOrd="0" parTransId="{C4B9137B-5A8F-4D76-AD8B-48F62B24D8B9}" sibTransId="{B1D30A36-744E-4454-A0BB-DB511B92C842}"/>
-    <dgm:cxn modelId="{A94C2A43-E7B8-4DDB-BA44-966C186FDC14}" type="presOf" srcId="{E55F1FCA-0F16-4D26-A7DB-0B94B1AE2B9B}" destId="{F99AF03E-D945-4106-915D-095490216129}" srcOrd="1" destOrd="0" presId="urn:microsoft.com/office/officeart/2005/8/layout/hProcess4"/>
-    <dgm:cxn modelId="{139E1F44-A827-4C44-91E0-EB2E26784DD0}" type="presOf" srcId="{EBBC0F2E-7046-4D1F-8051-F9A8D45E9390}" destId="{5C326B67-E3F6-4DE6-8CC6-5C669261C568}" srcOrd="0" destOrd="0" presId="urn:microsoft.com/office/officeart/2005/8/layout/hProcess4"/>
-    <dgm:cxn modelId="{0179AF64-80FA-4795-B2F1-E0A453B0D9B4}" type="presOf" srcId="{E55F1FCA-0F16-4D26-A7DB-0B94B1AE2B9B}" destId="{DC27054A-FFAA-4E91-A54E-D1B8BF151029}" srcOrd="0" destOrd="0" presId="urn:microsoft.com/office/officeart/2005/8/layout/hProcess4"/>
-    <dgm:cxn modelId="{97E4F846-47C6-436C-9A43-02E977E40999}" srcId="{E188499F-6EF3-45E2-89A8-90148B1DFEE6}" destId="{2F98036E-6A62-4C7F-ABF9-F8FC27AF3A9C}" srcOrd="3" destOrd="0" parTransId="{B1B871D6-A074-4A74-844E-05E84092A125}" sibTransId="{165226CA-9407-4A83-B825-A3F6E24CA310}"/>
-    <dgm:cxn modelId="{EBB0C84A-2771-4748-8A49-514187E59E8E}" type="presOf" srcId="{DEC51881-4A36-4A11-A453-E6157D2D5442}" destId="{AAEA2C8E-2BFC-4946-87AF-96141C2EBAED}" srcOrd="0" destOrd="0" presId="urn:microsoft.com/office/officeart/2005/8/layout/hProcess4"/>
-    <dgm:cxn modelId="{94E4264B-9A72-449B-9913-457E42944F0B}" type="presOf" srcId="{E7EDC845-522A-41B9-A42F-BF6B8314F88B}" destId="{8E8B031D-8770-42E7-A993-54DE23804B7C}" srcOrd="0" destOrd="0" presId="urn:microsoft.com/office/officeart/2005/8/layout/hProcess4"/>
-    <dgm:cxn modelId="{8204444D-715D-46E5-B9F8-E234E599CF11}" type="presOf" srcId="{FF7D3AA7-8266-4D13-A79B-3E667FA5EA1E}" destId="{F99AF03E-D945-4106-915D-095490216129}" srcOrd="1" destOrd="5" presId="urn:microsoft.com/office/officeart/2005/8/layout/hProcess4"/>
-    <dgm:cxn modelId="{529AB86D-6056-41AA-9C41-44FDA0AAD9B0}" type="presOf" srcId="{44025E99-B412-4FC9-8D13-1AC842AC121E}" destId="{73360CF9-C68E-4820-9610-FBBB1DBF7EE5}" srcOrd="1" destOrd="0" presId="urn:microsoft.com/office/officeart/2005/8/layout/hProcess4"/>
-    <dgm:cxn modelId="{FFE79F4F-BD50-49CB-B873-45F045033F86}" type="presOf" srcId="{AA884888-BECA-49CF-A4B2-443CF58C09E0}" destId="{F99AF03E-D945-4106-915D-095490216129}" srcOrd="1" destOrd="2" presId="urn:microsoft.com/office/officeart/2005/8/layout/hProcess4"/>
-    <dgm:cxn modelId="{4A837077-FA17-4656-B6BB-94646530D023}" type="presOf" srcId="{6EBFB28F-D351-4097-80D8-5BA650E4CC8F}" destId="{8E8B031D-8770-42E7-A993-54DE23804B7C}" srcOrd="0" destOrd="1" presId="urn:microsoft.com/office/officeart/2005/8/layout/hProcess4"/>
-    <dgm:cxn modelId="{09F49182-CE8A-4BAE-BF73-AEFDD00AB5B4}" type="presOf" srcId="{44025E99-B412-4FC9-8D13-1AC842AC121E}" destId="{6EBDC700-D123-4640-AE54-00248844D203}" srcOrd="0" destOrd="0" presId="urn:microsoft.com/office/officeart/2005/8/layout/hProcess4"/>
-    <dgm:cxn modelId="{796E6286-99FE-4155-B2E7-CC5E5A1D25D1}" srcId="{E188499F-6EF3-45E2-89A8-90148B1DFEE6}" destId="{AA884888-BECA-49CF-A4B2-443CF58C09E0}" srcOrd="2" destOrd="0" parTransId="{87F6BF43-7845-4520-9ED0-100A6C475799}" sibTransId="{A3CE6F0B-559A-4FEB-96E9-125FFF218FCA}"/>
-    <dgm:cxn modelId="{CB5FD589-350A-49A9-B021-7548B6DFF5FA}" type="presOf" srcId="{546640DA-8B9B-4187-9A5A-D49973F9434F}" destId="{5F8169D7-FE7F-403F-AE18-582389BCBB64}" srcOrd="0" destOrd="0" presId="urn:microsoft.com/office/officeart/2005/8/layout/hProcess4"/>
-    <dgm:cxn modelId="{DCDDF391-31F0-4782-AC9D-8C44F6E0F835}" srcId="{A389AF2B-242D-4412-BD66-9C828FB7E152}" destId="{89AADCAC-4D55-407B-966E-6CD5D5273A88}" srcOrd="1" destOrd="0" parTransId="{ED8614D5-B15A-421B-B253-64020729A123}" sibTransId="{B505A493-398B-4E84-B53F-3B7F3ACB6450}"/>
-    <dgm:cxn modelId="{6EA82C94-410C-414D-99C7-D0E99AEABC5C}" type="presOf" srcId="{042B52A5-DE29-463A-B591-FC9A0A335129}" destId="{F99AF03E-D945-4106-915D-095490216129}" srcOrd="1" destOrd="1" presId="urn:microsoft.com/office/officeart/2005/8/layout/hProcess4"/>
-    <dgm:cxn modelId="{747C569F-E155-47F1-B4BF-DA3586758789}" type="presOf" srcId="{A389AF2B-242D-4412-BD66-9C828FB7E152}" destId="{02601AD7-AD6D-43BC-89DD-7A375109D89B}" srcOrd="0" destOrd="0" presId="urn:microsoft.com/office/officeart/2005/8/layout/hProcess4"/>
-    <dgm:cxn modelId="{E4E287A5-E0C6-480D-805D-DD000E888832}" type="presOf" srcId="{7A81B526-6B11-43E4-AA9C-91D8C759B730}" destId="{BC0BA892-C70C-462B-8678-A00B53EE2E7A}" srcOrd="0" destOrd="0" presId="urn:microsoft.com/office/officeart/2005/8/layout/hProcess4"/>
-    <dgm:cxn modelId="{6ED878A9-0A64-4391-9588-26685D322BF5}" type="presOf" srcId="{AA884888-BECA-49CF-A4B2-443CF58C09E0}" destId="{DC27054A-FFAA-4E91-A54E-D1B8BF151029}" srcOrd="0" destOrd="2" presId="urn:microsoft.com/office/officeart/2005/8/layout/hProcess4"/>
-    <dgm:cxn modelId="{A65B27AA-C5C7-42ED-84D2-9910AB3179F8}" type="presOf" srcId="{FF7D3AA7-8266-4D13-A79B-3E667FA5EA1E}" destId="{DC27054A-FFAA-4E91-A54E-D1B8BF151029}" srcOrd="0" destOrd="5" presId="urn:microsoft.com/office/officeart/2005/8/layout/hProcess4"/>
-    <dgm:cxn modelId="{B8F24FB2-7856-42A0-9B01-30FE3203B046}" type="presOf" srcId="{2F98036E-6A62-4C7F-ABF9-F8FC27AF3A9C}" destId="{DC27054A-FFAA-4E91-A54E-D1B8BF151029}" srcOrd="0" destOrd="3" presId="urn:microsoft.com/office/officeart/2005/8/layout/hProcess4"/>
-    <dgm:cxn modelId="{BAA67AB5-3DF1-42E1-9ACF-88FC73B872B9}" type="presOf" srcId="{A2F693FE-A76F-4679-AD33-C073B461481C}" destId="{49D3F270-92A3-43A2-94E3-67E3A56B7165}" srcOrd="1" destOrd="0" presId="urn:microsoft.com/office/officeart/2005/8/layout/hProcess4"/>
-    <dgm:cxn modelId="{E01E83CB-3FB7-4722-8E96-3CC662719298}" srcId="{546640DA-8B9B-4187-9A5A-D49973F9434F}" destId="{E7EDC845-522A-41B9-A42F-BF6B8314F88B}" srcOrd="0" destOrd="0" parTransId="{EEF9CFC7-B32A-48CB-BE72-93B25FFFC0F9}" sibTransId="{EDDAB977-8AAF-4B01-8130-D3A6457231DB}"/>
-    <dgm:cxn modelId="{240532CD-DAAC-425E-877E-D913D684EB79}" type="presOf" srcId="{F37359C2-24DE-4F98-B060-69495CBA0910}" destId="{6EBDC700-D123-4640-AE54-00248844D203}" srcOrd="0" destOrd="2" presId="urn:microsoft.com/office/officeart/2005/8/layout/hProcess4"/>
-    <dgm:cxn modelId="{4E71D2CE-28F9-4998-B826-5346E2D59047}" type="presOf" srcId="{89AADCAC-4D55-407B-966E-6CD5D5273A88}" destId="{6EBDC700-D123-4640-AE54-00248844D203}" srcOrd="0" destOrd="1" presId="urn:microsoft.com/office/officeart/2005/8/layout/hProcess4"/>
-    <dgm:cxn modelId="{F8A830CF-BF08-4DE8-A2A0-84DA9144E040}" srcId="{EBBC0F2E-7046-4D1F-8051-F9A8D45E9390}" destId="{A389AF2B-242D-4412-BD66-9C828FB7E152}" srcOrd="1" destOrd="0" parTransId="{4CFE8E8A-1C4A-4CE1-899B-EB3FE614A296}" sibTransId="{DEC51881-4A36-4A11-A453-E6157D2D5442}"/>
-    <dgm:cxn modelId="{E6E244CF-A3C4-4A7C-952E-44B0EEFD5A34}" srcId="{EBBC0F2E-7046-4D1F-8051-F9A8D45E9390}" destId="{E188499F-6EF3-45E2-89A8-90148B1DFEE6}" srcOrd="2" destOrd="0" parTransId="{C5FE1938-0DC4-4D1F-9EBE-3E538EBBAE61}" sibTransId="{0CACD7F3-EF57-4586-8390-405C4A049BD4}"/>
-    <dgm:cxn modelId="{4ED8ECD0-35AF-463F-BC86-47F8D39387EF}" type="presOf" srcId="{0CACD7F3-EF57-4586-8390-405C4A049BD4}" destId="{43C7371B-8F9A-4697-9E35-1211AC4956D8}" srcOrd="0" destOrd="0" presId="urn:microsoft.com/office/officeart/2005/8/layout/hProcess4"/>
-    <dgm:cxn modelId="{0DFA64E1-9629-43F8-BC91-DDCC6DBB59B9}" srcId="{E188499F-6EF3-45E2-89A8-90148B1DFEE6}" destId="{FF7D3AA7-8266-4D13-A79B-3E667FA5EA1E}" srcOrd="5" destOrd="0" parTransId="{D656628F-E97F-489B-86FC-BB8D783FEBFC}" sibTransId="{25A0EE80-D0A4-4EBA-BA7A-1AF8E7C3E5F6}"/>
-    <dgm:cxn modelId="{E3C158E6-FA1F-4E26-897D-255EC119D119}" srcId="{A389AF2B-242D-4412-BD66-9C828FB7E152}" destId="{44025E99-B412-4FC9-8D13-1AC842AC121E}" srcOrd="0" destOrd="0" parTransId="{A2B361AC-6613-43E2-9422-7A40897CEF7E}" sibTransId="{8AF32978-0C57-4465-8493-6C731562C0A5}"/>
-    <dgm:cxn modelId="{5F2003E7-87ED-48D0-AB97-4978F5BA03C2}" srcId="{546640DA-8B9B-4187-9A5A-D49973F9434F}" destId="{6EBFB28F-D351-4097-80D8-5BA650E4CC8F}" srcOrd="1" destOrd="0" parTransId="{F7744CAB-9205-48D0-8483-77482AD3961C}" sibTransId="{19D7667D-ED91-4F05-A72C-BF4E3A11520E}"/>
-    <dgm:cxn modelId="{0E9517F2-285D-4FB9-9593-1C64BE6CFE65}" type="presOf" srcId="{E188499F-6EF3-45E2-89A8-90148B1DFEE6}" destId="{4FC4747B-FC83-4926-83EC-C45CBFB1AE0E}" srcOrd="0" destOrd="0" presId="urn:microsoft.com/office/officeart/2005/8/layout/hProcess4"/>
-    <dgm:cxn modelId="{E6C5E1F8-18F4-4357-838C-DC5E06EF740C}" type="presOf" srcId="{E7EDC845-522A-41B9-A42F-BF6B8314F88B}" destId="{BB58C16F-B365-43B6-8F67-630A75FB4E13}" srcOrd="1" destOrd="0" presId="urn:microsoft.com/office/officeart/2005/8/layout/hProcess4"/>
     <dgm:cxn modelId="{7B47F4BD-CB5E-4E5D-9BBF-27BDC66A1555}" type="presParOf" srcId="{5C326B67-E3F6-4DE6-8CC6-5C669261C568}" destId="{6BD7537D-E1EB-4110-A237-1CE83323CC51}" srcOrd="0" destOrd="0" presId="urn:microsoft.com/office/officeart/2005/8/layout/hProcess4"/>
     <dgm:cxn modelId="{C14FE403-939C-4FFA-9AF1-DBC6202F83C5}" type="presParOf" srcId="{5C326B67-E3F6-4DE6-8CC6-5C669261C568}" destId="{BD29C324-A929-4AA7-9230-42224190B0A9}" srcOrd="1" destOrd="0" presId="urn:microsoft.com/office/officeart/2005/8/layout/hProcess4"/>
     <dgm:cxn modelId="{367A9F9C-70B2-49D8-92E5-B4BDF1005237}" type="presParOf" srcId="{5C326B67-E3F6-4DE6-8CC6-5C669261C568}" destId="{52F2109D-F192-4989-9723-AFC9EE51090A}" srcOrd="2" destOrd="0" presId="urn:microsoft.com/office/officeart/2005/8/layout/hProcess4"/>
@@ -2770,7 +2917,7 @@
         </a:bodyPr>
         <a:lstStyle/>
         <a:p>
-          <a:pPr marL="0" lvl="0" indent="0" algn="ctr" defTabSz="488950">
+          <a:pPr lvl="0" algn="ctr" defTabSz="488950">
             <a:lnSpc>
               <a:spcPct val="90000"/>
             </a:lnSpc>
@@ -2780,7 +2927,6 @@
             <a:spcAft>
               <a:spcPct val="35000"/>
             </a:spcAft>
-            <a:buNone/>
           </a:pPr>
           <a:r>
             <a:rPr lang="es-CO" sz="1100" kern="1200" dirty="0"/>
@@ -2832,7 +2978,7 @@
         </a:bodyPr>
         <a:lstStyle/>
         <a:p>
-          <a:pPr marL="0" lvl="0" indent="0" algn="ctr" defTabSz="311150">
+          <a:pPr lvl="0" algn="ctr" defTabSz="311150">
             <a:lnSpc>
               <a:spcPct val="90000"/>
             </a:lnSpc>
@@ -2842,7 +2988,6 @@
             <a:spcAft>
               <a:spcPct val="35000"/>
             </a:spcAft>
-            <a:buNone/>
           </a:pPr>
           <a:endParaRPr lang="es-CO" sz="700" kern="1200"/>
         </a:p>
@@ -2901,7 +3046,7 @@
         </a:bodyPr>
         <a:lstStyle/>
         <a:p>
-          <a:pPr marL="0" lvl="0" indent="0" algn="ctr" defTabSz="488950">
+          <a:pPr lvl="0" algn="ctr" defTabSz="488950">
             <a:lnSpc>
               <a:spcPct val="90000"/>
             </a:lnSpc>
@@ -2911,7 +3056,6 @@
             <a:spcAft>
               <a:spcPct val="35000"/>
             </a:spcAft>
-            <a:buNone/>
           </a:pPr>
           <a:r>
             <a:rPr lang="es-CO" sz="1100" kern="1200" dirty="0"/>
@@ -2963,7 +3107,7 @@
         </a:bodyPr>
         <a:lstStyle/>
         <a:p>
-          <a:pPr marL="0" lvl="0" indent="0" algn="ctr" defTabSz="800100">
+          <a:pPr lvl="0" algn="ctr" defTabSz="800100">
             <a:lnSpc>
               <a:spcPct val="90000"/>
             </a:lnSpc>
@@ -2973,7 +3117,6 @@
             <a:spcAft>
               <a:spcPct val="35000"/>
             </a:spcAft>
-            <a:buNone/>
           </a:pPr>
           <a:endParaRPr lang="es-CO" sz="1800" kern="1200"/>
         </a:p>
@@ -3032,7 +3175,7 @@
         </a:bodyPr>
         <a:lstStyle/>
         <a:p>
-          <a:pPr marL="0" lvl="0" indent="0" algn="ctr" defTabSz="488950">
+          <a:pPr lvl="0" algn="ctr" defTabSz="488950">
             <a:lnSpc>
               <a:spcPct val="90000"/>
             </a:lnSpc>
@@ -3042,7 +3185,6 @@
             <a:spcAft>
               <a:spcPct val="35000"/>
             </a:spcAft>
-            <a:buNone/>
           </a:pPr>
           <a:r>
             <a:rPr lang="es-CO" sz="1100" kern="1200" dirty="0"/>
@@ -3145,7 +3287,7 @@
               <a:spcPct val="15000"/>
             </a:spcAft>
             <a:buFontTx/>
-            <a:buNone/>
+            <a:buChar char="••"/>
           </a:pPr>
           <a:r>
             <a:rPr lang="es-ES" sz="1500" kern="1200" dirty="0"/>
@@ -3328,7 +3470,7 @@
         </a:bodyPr>
         <a:lstStyle/>
         <a:p>
-          <a:pPr marL="0" lvl="0" indent="0" algn="ctr" defTabSz="1466850">
+          <a:pPr lvl="0" algn="ctr" defTabSz="1466850">
             <a:lnSpc>
               <a:spcPct val="90000"/>
             </a:lnSpc>
@@ -3338,7 +3480,6 @@
             <a:spcAft>
               <a:spcPct val="35000"/>
             </a:spcAft>
-            <a:buNone/>
           </a:pPr>
           <a:r>
             <a:rPr lang="es-ES" sz="3300" kern="1200" dirty="0"/>
@@ -3428,7 +3569,7 @@
             <a:spcAft>
               <a:spcPct val="15000"/>
             </a:spcAft>
-            <a:buChar char="•"/>
+            <a:buChar char="••"/>
           </a:pPr>
           <a:r>
             <a:rPr lang="es-ES" sz="1500" kern="1200" dirty="0"/>
@@ -3446,7 +3587,7 @@
             <a:spcAft>
               <a:spcPct val="15000"/>
             </a:spcAft>
-            <a:buChar char="•"/>
+            <a:buChar char="••"/>
           </a:pPr>
           <a:endParaRPr lang="es-ES" sz="1500" kern="1200" dirty="0"/>
         </a:p>
@@ -3461,7 +3602,7 @@
             <a:spcAft>
               <a:spcPct val="15000"/>
             </a:spcAft>
-            <a:buChar char="•"/>
+            <a:buChar char="••"/>
           </a:pPr>
           <a:r>
             <a:rPr lang="es-ES" sz="1500" kern="1200" dirty="0"/>
@@ -3644,7 +3785,7 @@
         </a:bodyPr>
         <a:lstStyle/>
         <a:p>
-          <a:pPr marL="0" lvl="0" indent="0" algn="ctr" defTabSz="1466850">
+          <a:pPr lvl="0" algn="ctr" defTabSz="1466850">
             <a:lnSpc>
               <a:spcPct val="90000"/>
             </a:lnSpc>
@@ -3654,7 +3795,6 @@
             <a:spcAft>
               <a:spcPct val="35000"/>
             </a:spcAft>
-            <a:buNone/>
           </a:pPr>
           <a:r>
             <a:rPr lang="es-ES" sz="3300" kern="1200" dirty="0"/>
@@ -3744,7 +3884,7 @@
             <a:spcAft>
               <a:spcPct val="15000"/>
             </a:spcAft>
-            <a:buChar char="•"/>
+            <a:buChar char="••"/>
           </a:pPr>
           <a:endParaRPr lang="es-ES" sz="1300" kern="1200" dirty="0"/>
         </a:p>
@@ -3759,7 +3899,7 @@
             <a:spcAft>
               <a:spcPct val="15000"/>
             </a:spcAft>
-            <a:buChar char="•"/>
+            <a:buChar char="••"/>
           </a:pPr>
           <a:r>
             <a:rPr lang="es-ES" sz="1500" kern="1200" dirty="0"/>
@@ -3777,7 +3917,7 @@
             <a:spcAft>
               <a:spcPct val="15000"/>
             </a:spcAft>
-            <a:buChar char="•"/>
+            <a:buChar char="••"/>
           </a:pPr>
           <a:r>
             <a:rPr lang="es-ES" sz="1500" kern="1200" dirty="0"/>
@@ -3795,7 +3935,7 @@
             <a:spcAft>
               <a:spcPct val="15000"/>
             </a:spcAft>
-            <a:buChar char="•"/>
+            <a:buChar char="••"/>
           </a:pPr>
           <a:endParaRPr lang="es-ES" sz="1300" kern="1200" dirty="0"/>
         </a:p>
@@ -3810,7 +3950,7 @@
             <a:spcAft>
               <a:spcPct val="15000"/>
             </a:spcAft>
-            <a:buChar char="•"/>
+            <a:buChar char="••"/>
           </a:pPr>
           <a:endParaRPr lang="es-ES" sz="1300" kern="1200" dirty="0"/>
         </a:p>
@@ -3825,7 +3965,7 @@
             <a:spcAft>
               <a:spcPct val="15000"/>
             </a:spcAft>
-            <a:buChar char="•"/>
+            <a:buChar char="••"/>
           </a:pPr>
           <a:endParaRPr lang="es-ES" sz="1300" kern="1200" dirty="0"/>
         </a:p>
@@ -4005,7 +4145,7 @@
         </a:bodyPr>
         <a:lstStyle/>
         <a:p>
-          <a:pPr marL="0" lvl="0" indent="0" algn="ctr" defTabSz="1466850">
+          <a:pPr lvl="0" algn="ctr" defTabSz="1466850">
             <a:lnSpc>
               <a:spcPct val="90000"/>
             </a:lnSpc>
@@ -4015,7 +4155,6 @@
             <a:spcAft>
               <a:spcPct val="35000"/>
             </a:spcAft>
-            <a:buNone/>
           </a:pPr>
           <a:r>
             <a:rPr lang="es-ES" sz="3300" kern="1200" dirty="0"/>
@@ -4105,7 +4244,7 @@
             <a:spcAft>
               <a:spcPct val="15000"/>
             </a:spcAft>
-            <a:buChar char="•"/>
+            <a:buChar char="••"/>
           </a:pPr>
           <a:r>
             <a:rPr lang="es-ES" sz="1600" kern="1200" dirty="0"/>
@@ -4123,7 +4262,7 @@
             <a:spcAft>
               <a:spcPct val="15000"/>
             </a:spcAft>
-            <a:buChar char="•"/>
+            <a:buChar char="••"/>
           </a:pPr>
           <a:r>
             <a:rPr lang="es-ES" sz="1600" kern="1200" dirty="0"/>
@@ -4240,7 +4379,7 @@
         </a:bodyPr>
         <a:lstStyle/>
         <a:p>
-          <a:pPr marL="0" lvl="0" indent="0" algn="ctr" defTabSz="1466850">
+          <a:pPr lvl="0" algn="ctr" defTabSz="1466850">
             <a:lnSpc>
               <a:spcPct val="90000"/>
             </a:lnSpc>
@@ -4250,7 +4389,6 @@
             <a:spcAft>
               <a:spcPct val="35000"/>
             </a:spcAft>
-            <a:buNone/>
           </a:pPr>
           <a:r>
             <a:rPr lang="es-ES" sz="3300" kern="1200" dirty="0"/>
@@ -7489,7 +7627,7 @@
             <a:fld id="{B61BEF0D-F0BB-DE4B-95CE-6DB70DBA9567}" type="datetimeFigureOut">
               <a:rPr lang="en-US" smtClean="0"/>
               <a:pPr/>
-              <a:t>12/1/2019</a:t>
+              <a:t>12/14/2019</a:t>
             </a:fld>
             <a:endParaRPr lang="en-US" dirty="0"/>
           </a:p>
@@ -7699,7 +7837,7 @@
             <a:fld id="{B61BEF0D-F0BB-DE4B-95CE-6DB70DBA9567}" type="datetimeFigureOut">
               <a:rPr lang="en-US" smtClean="0"/>
               <a:pPr/>
-              <a:t>12/1/2019</a:t>
+              <a:t>12/14/2019</a:t>
             </a:fld>
             <a:endParaRPr lang="en-US" dirty="0"/>
           </a:p>
@@ -7957,7 +8095,7 @@
             <a:fld id="{B61BEF0D-F0BB-DE4B-95CE-6DB70DBA9567}" type="datetimeFigureOut">
               <a:rPr lang="en-US" smtClean="0"/>
               <a:pPr/>
-              <a:t>12/1/2019</a:t>
+              <a:t>12/14/2019</a:t>
             </a:fld>
             <a:endParaRPr lang="en-US" dirty="0"/>
           </a:p>
@@ -8129,7 +8267,7 @@
             <a:fld id="{B61BEF0D-F0BB-DE4B-95CE-6DB70DBA9567}" type="datetimeFigureOut">
               <a:rPr lang="en-US" smtClean="0"/>
               <a:pPr/>
-              <a:t>12/1/2019</a:t>
+              <a:t>12/14/2019</a:t>
             </a:fld>
             <a:endParaRPr lang="en-US" dirty="0"/>
           </a:p>
@@ -8474,7 +8612,7 @@
             <a:fld id="{B61BEF0D-F0BB-DE4B-95CE-6DB70DBA9567}" type="datetimeFigureOut">
               <a:rPr lang="en-US" smtClean="0"/>
               <a:pPr/>
-              <a:t>12/1/2019</a:t>
+              <a:t>12/14/2019</a:t>
             </a:fld>
             <a:endParaRPr lang="en-US" dirty="0"/>
           </a:p>
@@ -8751,7 +8889,7 @@
             <a:fld id="{B61BEF0D-F0BB-DE4B-95CE-6DB70DBA9567}" type="datetimeFigureOut">
               <a:rPr lang="en-US" smtClean="0"/>
               <a:pPr/>
-              <a:t>12/1/2019</a:t>
+              <a:t>12/14/2019</a:t>
             </a:fld>
             <a:endParaRPr lang="en-US" dirty="0"/>
           </a:p>
@@ -9132,7 +9270,7 @@
             <a:fld id="{B61BEF0D-F0BB-DE4B-95CE-6DB70DBA9567}" type="datetimeFigureOut">
               <a:rPr lang="en-US" smtClean="0"/>
               <a:pPr/>
-              <a:t>12/1/2019</a:t>
+              <a:t>12/14/2019</a:t>
             </a:fld>
             <a:endParaRPr lang="en-US" dirty="0"/>
           </a:p>
@@ -9252,7 +9390,7 @@
             <a:fld id="{B61BEF0D-F0BB-DE4B-95CE-6DB70DBA9567}" type="datetimeFigureOut">
               <a:rPr lang="en-US" smtClean="0"/>
               <a:pPr/>
-              <a:t>12/1/2019</a:t>
+              <a:t>12/14/2019</a:t>
             </a:fld>
             <a:endParaRPr lang="en-US" dirty="0"/>
           </a:p>
@@ -9425,7 +9563,7 @@
             <a:fld id="{B61BEF0D-F0BB-DE4B-95CE-6DB70DBA9567}" type="datetimeFigureOut">
               <a:rPr lang="en-US" smtClean="0"/>
               <a:pPr/>
-              <a:t>12/1/2019</a:t>
+              <a:t>12/14/2019</a:t>
             </a:fld>
             <a:endParaRPr lang="en-US" dirty="0"/>
           </a:p>
@@ -9781,7 +9919,7 @@
             <a:fld id="{B61BEF0D-F0BB-DE4B-95CE-6DB70DBA9567}" type="datetimeFigureOut">
               <a:rPr lang="en-US" smtClean="0"/>
               <a:pPr/>
-              <a:t>12/1/2019</a:t>
+              <a:t>12/14/2019</a:t>
             </a:fld>
             <a:endParaRPr lang="en-US" dirty="0"/>
           </a:p>
@@ -10160,7 +10298,7 @@
             <a:fld id="{B61BEF0D-F0BB-DE4B-95CE-6DB70DBA9567}" type="datetimeFigureOut">
               <a:rPr lang="en-US" smtClean="0"/>
               <a:pPr/>
-              <a:t>12/1/2019</a:t>
+              <a:t>12/14/2019</a:t>
             </a:fld>
             <a:endParaRPr lang="en-US" dirty="0"/>
           </a:p>
@@ -10449,7 +10587,7 @@
             <a:fld id="{B61BEF0D-F0BB-DE4B-95CE-6DB70DBA9567}" type="datetimeFigureOut">
               <a:rPr lang="en-US" smtClean="0"/>
               <a:pPr/>
-              <a:t>12/1/2019</a:t>
+              <a:t>12/14/2019</a:t>
             </a:fld>
             <a:endParaRPr lang="en-US" dirty="0"/>
           </a:p>
@@ -11054,7 +11192,7 @@
           <p:cNvPr id="2" name="Imagen 1">
             <a:extLst>
               <a:ext uri="{FF2B5EF4-FFF2-40B4-BE49-F238E27FC236}">
-                <a16:creationId xmlns:a16="http://schemas.microsoft.com/office/drawing/2014/main" id="{1C371CAA-2EF7-495B-8F83-58D4F5AB1CB4}"/>
+                <a16:creationId xmlns:a16="http://schemas.microsoft.com/office/drawing/2014/main" xmlns="" id="{1C371CAA-2EF7-495B-8F83-58D4F5AB1CB4}"/>
               </a:ext>
             </a:extLst>
           </p:cNvPr>
@@ -11134,6 +11272,13 @@
   <p:clrMapOvr>
     <a:masterClrMapping/>
   </p:clrMapOvr>
+  <p:timing>
+    <p:tnLst>
+      <p:par>
+        <p:cTn id="1" dur="indefinite" restart="never" nodeType="tmRoot"/>
+      </p:par>
+    </p:tnLst>
+  </p:timing>
 </p:sld>
 </file>
 
@@ -11159,7 +11304,7 @@
           <p:cNvPr id="13" name="CuadroTexto 12">
             <a:extLst>
               <a:ext uri="{FF2B5EF4-FFF2-40B4-BE49-F238E27FC236}">
-                <a16:creationId xmlns:a16="http://schemas.microsoft.com/office/drawing/2014/main" id="{3F2E7F06-E0E9-42D7-B873-B00272A01662}"/>
+                <a16:creationId xmlns:a16="http://schemas.microsoft.com/office/drawing/2014/main" xmlns="" id="{3F2E7F06-E0E9-42D7-B873-B00272A01662}"/>
               </a:ext>
             </a:extLst>
           </p:cNvPr>
@@ -11228,7 +11373,7 @@
           <p:cNvPr id="14" name="Rectángulo 13">
             <a:extLst>
               <a:ext uri="{FF2B5EF4-FFF2-40B4-BE49-F238E27FC236}">
-                <a16:creationId xmlns:a16="http://schemas.microsoft.com/office/drawing/2014/main" id="{143E2DD7-405B-4278-916C-98977E96D999}"/>
+                <a16:creationId xmlns:a16="http://schemas.microsoft.com/office/drawing/2014/main" xmlns="" id="{143E2DD7-405B-4278-916C-98977E96D999}"/>
               </a:ext>
             </a:extLst>
           </p:cNvPr>
@@ -11283,7 +11428,7 @@
           <p:cNvPr id="3" name="Imagen 2">
             <a:extLst>
               <a:ext uri="{FF2B5EF4-FFF2-40B4-BE49-F238E27FC236}">
-                <a16:creationId xmlns:a16="http://schemas.microsoft.com/office/drawing/2014/main" id="{19E702CD-68B0-4935-88AB-4598A05161DE}"/>
+                <a16:creationId xmlns:a16="http://schemas.microsoft.com/office/drawing/2014/main" xmlns="" id="{19E702CD-68B0-4935-88AB-4598A05161DE}"/>
               </a:ext>
             </a:extLst>
           </p:cNvPr>
@@ -11313,7 +11458,7 @@
           <p:cNvPr id="4" name="Imagen 3">
             <a:extLst>
               <a:ext uri="{FF2B5EF4-FFF2-40B4-BE49-F238E27FC236}">
-                <a16:creationId xmlns:a16="http://schemas.microsoft.com/office/drawing/2014/main" id="{E3DEEA92-28BF-4EDB-96C2-E661A101BDDF}"/>
+                <a16:creationId xmlns:a16="http://schemas.microsoft.com/office/drawing/2014/main" xmlns="" id="{E3DEEA92-28BF-4EDB-96C2-E661A101BDDF}"/>
               </a:ext>
             </a:extLst>
           </p:cNvPr>
@@ -11342,7 +11487,7 @@
           <p:cNvPr id="7" name="Rectángulo 6">
             <a:extLst>
               <a:ext uri="{FF2B5EF4-FFF2-40B4-BE49-F238E27FC236}">
-                <a16:creationId xmlns:a16="http://schemas.microsoft.com/office/drawing/2014/main" id="{3BD9DB38-68E8-413F-8A29-011711E0CE41}"/>
+                <a16:creationId xmlns:a16="http://schemas.microsoft.com/office/drawing/2014/main" xmlns="" id="{3BD9DB38-68E8-413F-8A29-011711E0CE41}"/>
               </a:ext>
             </a:extLst>
           </p:cNvPr>
@@ -11394,6 +11539,13 @@
   <p:clrMapOvr>
     <a:masterClrMapping/>
   </p:clrMapOvr>
+  <p:timing>
+    <p:tnLst>
+      <p:par>
+        <p:cTn id="1" dur="indefinite" restart="never" nodeType="tmRoot"/>
+      </p:par>
+    </p:tnLst>
+  </p:timing>
 </p:sld>
 </file>
 
@@ -11419,7 +11571,7 @@
           <p:cNvPr id="13" name="CuadroTexto 12">
             <a:extLst>
               <a:ext uri="{FF2B5EF4-FFF2-40B4-BE49-F238E27FC236}">
-                <a16:creationId xmlns:a16="http://schemas.microsoft.com/office/drawing/2014/main" id="{3F2E7F06-E0E9-42D7-B873-B00272A01662}"/>
+                <a16:creationId xmlns:a16="http://schemas.microsoft.com/office/drawing/2014/main" xmlns="" id="{3F2E7F06-E0E9-42D7-B873-B00272A01662}"/>
               </a:ext>
             </a:extLst>
           </p:cNvPr>
@@ -11488,7 +11640,7 @@
           <p:cNvPr id="14" name="Rectángulo 13">
             <a:extLst>
               <a:ext uri="{FF2B5EF4-FFF2-40B4-BE49-F238E27FC236}">
-                <a16:creationId xmlns:a16="http://schemas.microsoft.com/office/drawing/2014/main" id="{143E2DD7-405B-4278-916C-98977E96D999}"/>
+                <a16:creationId xmlns:a16="http://schemas.microsoft.com/office/drawing/2014/main" xmlns="" id="{143E2DD7-405B-4278-916C-98977E96D999}"/>
               </a:ext>
             </a:extLst>
           </p:cNvPr>
@@ -11562,7 +11714,7 @@
           <p:cNvPr id="7" name="Rectángulo 6">
             <a:extLst>
               <a:ext uri="{FF2B5EF4-FFF2-40B4-BE49-F238E27FC236}">
-                <a16:creationId xmlns:a16="http://schemas.microsoft.com/office/drawing/2014/main" id="{3BD9DB38-68E8-413F-8A29-011711E0CE41}"/>
+                <a16:creationId xmlns:a16="http://schemas.microsoft.com/office/drawing/2014/main" xmlns="" id="{3BD9DB38-68E8-413F-8A29-011711E0CE41}"/>
               </a:ext>
             </a:extLst>
           </p:cNvPr>
@@ -11597,7 +11749,7 @@
           <p:cNvPr id="2" name="Imagen 1">
             <a:extLst>
               <a:ext uri="{FF2B5EF4-FFF2-40B4-BE49-F238E27FC236}">
-                <a16:creationId xmlns:a16="http://schemas.microsoft.com/office/drawing/2014/main" id="{DF16A577-39E4-4120-8368-9D364B2CC3BD}"/>
+                <a16:creationId xmlns:a16="http://schemas.microsoft.com/office/drawing/2014/main" xmlns="" id="{DF16A577-39E4-4120-8368-9D364B2CC3BD}"/>
               </a:ext>
             </a:extLst>
           </p:cNvPr>
@@ -11627,7 +11779,7 @@
           <p:cNvPr id="5" name="Imagen 4">
             <a:extLst>
               <a:ext uri="{FF2B5EF4-FFF2-40B4-BE49-F238E27FC236}">
-                <a16:creationId xmlns:a16="http://schemas.microsoft.com/office/drawing/2014/main" id="{647C64F8-749C-4919-8AB0-8D858D4CB22A}"/>
+                <a16:creationId xmlns:a16="http://schemas.microsoft.com/office/drawing/2014/main" xmlns="" id="{647C64F8-749C-4919-8AB0-8D858D4CB22A}"/>
               </a:ext>
             </a:extLst>
           </p:cNvPr>
@@ -11657,7 +11809,7 @@
           <p:cNvPr id="6" name="Imagen 5">
             <a:extLst>
               <a:ext uri="{FF2B5EF4-FFF2-40B4-BE49-F238E27FC236}">
-                <a16:creationId xmlns:a16="http://schemas.microsoft.com/office/drawing/2014/main" id="{6F6B73C0-836F-4734-954F-37EC26A74458}"/>
+                <a16:creationId xmlns:a16="http://schemas.microsoft.com/office/drawing/2014/main" xmlns="" id="{6F6B73C0-836F-4734-954F-37EC26A74458}"/>
               </a:ext>
             </a:extLst>
           </p:cNvPr>
@@ -11692,6 +11844,13 @@
   <p:clrMapOvr>
     <a:masterClrMapping/>
   </p:clrMapOvr>
+  <p:timing>
+    <p:tnLst>
+      <p:par>
+        <p:cTn id="1" dur="indefinite" restart="never" nodeType="tmRoot"/>
+      </p:par>
+    </p:tnLst>
+  </p:timing>
 </p:sld>
 </file>
 
@@ -11872,7 +12031,7 @@
           <p:cNvPr id="12" name="Flecha derecha 6">
             <a:extLst>
               <a:ext uri="{FF2B5EF4-FFF2-40B4-BE49-F238E27FC236}">
-                <a16:creationId xmlns:a16="http://schemas.microsoft.com/office/drawing/2014/main" id="{BB371E26-8F77-432B-A51A-9FD347C1E158}"/>
+                <a16:creationId xmlns:a16="http://schemas.microsoft.com/office/drawing/2014/main" xmlns="" id="{BB371E26-8F77-432B-A51A-9FD347C1E158}"/>
               </a:ext>
             </a:extLst>
           </p:cNvPr>
@@ -11923,6 +12082,13 @@
   <p:clrMapOvr>
     <a:masterClrMapping/>
   </p:clrMapOvr>
+  <p:timing>
+    <p:tnLst>
+      <p:par>
+        <p:cTn id="1" dur="indefinite" restart="never" nodeType="tmRoot"/>
+      </p:par>
+    </p:tnLst>
+  </p:timing>
 </p:sld>
 </file>
 
@@ -12005,7 +12171,7 @@
           <p:cNvPr id="16" name="Imagen 15">
             <a:extLst>
               <a:ext uri="{FF2B5EF4-FFF2-40B4-BE49-F238E27FC236}">
-                <a16:creationId xmlns:a16="http://schemas.microsoft.com/office/drawing/2014/main" id="{4232AC48-A8F3-4F0C-A174-EBF6B9D4DF6B}"/>
+                <a16:creationId xmlns:a16="http://schemas.microsoft.com/office/drawing/2014/main" xmlns="" id="{4232AC48-A8F3-4F0C-A174-EBF6B9D4DF6B}"/>
               </a:ext>
             </a:extLst>
           </p:cNvPr>
@@ -12040,6 +12206,13 @@
   <p:clrMapOvr>
     <a:masterClrMapping/>
   </p:clrMapOvr>
+  <p:timing>
+    <p:tnLst>
+      <p:par>
+        <p:cTn id="1" dur="indefinite" restart="never" nodeType="tmRoot"/>
+      </p:par>
+    </p:tnLst>
+  </p:timing>
 </p:sld>
 </file>
 
@@ -12122,7 +12295,7 @@
           <p:cNvPr id="6" name="Rectángulo 3">
             <a:extLst>
               <a:ext uri="{FF2B5EF4-FFF2-40B4-BE49-F238E27FC236}">
-                <a16:creationId xmlns:a16="http://schemas.microsoft.com/office/drawing/2014/main" id="{373805F4-BE10-4362-A141-E6907D4B1B86}"/>
+                <a16:creationId xmlns:a16="http://schemas.microsoft.com/office/drawing/2014/main" xmlns="" id="{373805F4-BE10-4362-A141-E6907D4B1B86}"/>
               </a:ext>
             </a:extLst>
           </p:cNvPr>
@@ -12200,7 +12373,7 @@
           <p:cNvPr id="7" name="Imagen 6">
             <a:extLst>
               <a:ext uri="{FF2B5EF4-FFF2-40B4-BE49-F238E27FC236}">
-                <a16:creationId xmlns:a16="http://schemas.microsoft.com/office/drawing/2014/main" id="{45AE49CC-DCD8-4E3F-ACFD-6738A6AF25E6}"/>
+                <a16:creationId xmlns:a16="http://schemas.microsoft.com/office/drawing/2014/main" xmlns="" id="{45AE49CC-DCD8-4E3F-ACFD-6738A6AF25E6}"/>
               </a:ext>
             </a:extLst>
           </p:cNvPr>
@@ -12230,7 +12403,7 @@
           <p:cNvPr id="2" name="Imagen 1">
             <a:extLst>
               <a:ext uri="{FF2B5EF4-FFF2-40B4-BE49-F238E27FC236}">
-                <a16:creationId xmlns:a16="http://schemas.microsoft.com/office/drawing/2014/main" id="{E4EBEF3C-FD2E-4592-BD43-B742BEE64070}"/>
+                <a16:creationId xmlns:a16="http://schemas.microsoft.com/office/drawing/2014/main" xmlns="" id="{E4EBEF3C-FD2E-4592-BD43-B742BEE64070}"/>
               </a:ext>
             </a:extLst>
           </p:cNvPr>
@@ -12260,7 +12433,7 @@
           <p:cNvPr id="8" name="CuadroTexto 7">
             <a:extLst>
               <a:ext uri="{FF2B5EF4-FFF2-40B4-BE49-F238E27FC236}">
-                <a16:creationId xmlns:a16="http://schemas.microsoft.com/office/drawing/2014/main" id="{D1B5A43C-A79C-4EE8-AE27-8539BFC044A2}"/>
+                <a16:creationId xmlns:a16="http://schemas.microsoft.com/office/drawing/2014/main" xmlns="" id="{D1B5A43C-A79C-4EE8-AE27-8539BFC044A2}"/>
               </a:ext>
             </a:extLst>
           </p:cNvPr>
@@ -12337,6 +12510,13 @@
   <p:clrMapOvr>
     <a:masterClrMapping/>
   </p:clrMapOvr>
+  <p:timing>
+    <p:tnLst>
+      <p:par>
+        <p:cTn id="1" dur="indefinite" restart="never" nodeType="tmRoot"/>
+      </p:par>
+    </p:tnLst>
+  </p:timing>
 </p:sld>
 </file>
 
@@ -12419,7 +12599,7 @@
           <p:cNvPr id="2" name="Imagen 1">
             <a:extLst>
               <a:ext uri="{FF2B5EF4-FFF2-40B4-BE49-F238E27FC236}">
-                <a16:creationId xmlns:a16="http://schemas.microsoft.com/office/drawing/2014/main" id="{9FF2F3FD-7B01-4730-A6EE-59325FF7473C}"/>
+                <a16:creationId xmlns:a16="http://schemas.microsoft.com/office/drawing/2014/main" xmlns="" id="{9FF2F3FD-7B01-4730-A6EE-59325FF7473C}"/>
               </a:ext>
             </a:extLst>
           </p:cNvPr>
@@ -12449,7 +12629,7 @@
           <p:cNvPr id="3" name="Imagen 2">
             <a:extLst>
               <a:ext uri="{FF2B5EF4-FFF2-40B4-BE49-F238E27FC236}">
-                <a16:creationId xmlns:a16="http://schemas.microsoft.com/office/drawing/2014/main" id="{6A1B2D8C-F900-4566-A275-70483E1DAA50}"/>
+                <a16:creationId xmlns:a16="http://schemas.microsoft.com/office/drawing/2014/main" xmlns="" id="{6A1B2D8C-F900-4566-A275-70483E1DAA50}"/>
               </a:ext>
             </a:extLst>
           </p:cNvPr>
@@ -12479,7 +12659,7 @@
           <p:cNvPr id="4" name="Imagen 3">
             <a:extLst>
               <a:ext uri="{FF2B5EF4-FFF2-40B4-BE49-F238E27FC236}">
-                <a16:creationId xmlns:a16="http://schemas.microsoft.com/office/drawing/2014/main" id="{E5350101-B795-476A-BB6E-21516B6DDDEB}"/>
+                <a16:creationId xmlns:a16="http://schemas.microsoft.com/office/drawing/2014/main" xmlns="" id="{E5350101-B795-476A-BB6E-21516B6DDDEB}"/>
               </a:ext>
             </a:extLst>
           </p:cNvPr>
@@ -12509,7 +12689,7 @@
           <p:cNvPr id="6" name="Rectángulo 3">
             <a:extLst>
               <a:ext uri="{FF2B5EF4-FFF2-40B4-BE49-F238E27FC236}">
-                <a16:creationId xmlns:a16="http://schemas.microsoft.com/office/drawing/2014/main" id="{373805F4-BE10-4362-A141-E6907D4B1B86}"/>
+                <a16:creationId xmlns:a16="http://schemas.microsoft.com/office/drawing/2014/main" xmlns="" id="{373805F4-BE10-4362-A141-E6907D4B1B86}"/>
               </a:ext>
             </a:extLst>
           </p:cNvPr>
@@ -12587,7 +12767,7 @@
           <p:cNvPr id="7" name="Imagen 6">
             <a:extLst>
               <a:ext uri="{FF2B5EF4-FFF2-40B4-BE49-F238E27FC236}">
-                <a16:creationId xmlns:a16="http://schemas.microsoft.com/office/drawing/2014/main" id="{863DDB1A-E779-405E-87A7-78DA796F75E2}"/>
+                <a16:creationId xmlns:a16="http://schemas.microsoft.com/office/drawing/2014/main" xmlns="" id="{863DDB1A-E779-405E-87A7-78DA796F75E2}"/>
               </a:ext>
             </a:extLst>
           </p:cNvPr>
@@ -12617,7 +12797,7 @@
           <p:cNvPr id="8" name="Imagen 7">
             <a:extLst>
               <a:ext uri="{FF2B5EF4-FFF2-40B4-BE49-F238E27FC236}">
-                <a16:creationId xmlns:a16="http://schemas.microsoft.com/office/drawing/2014/main" id="{923A724F-064B-430C-BA5B-8824345FA59C}"/>
+                <a16:creationId xmlns:a16="http://schemas.microsoft.com/office/drawing/2014/main" xmlns="" id="{923A724F-064B-430C-BA5B-8824345FA59C}"/>
               </a:ext>
             </a:extLst>
           </p:cNvPr>
@@ -12647,7 +12827,7 @@
           <p:cNvPr id="9" name="Imagen 8">
             <a:extLst>
               <a:ext uri="{FF2B5EF4-FFF2-40B4-BE49-F238E27FC236}">
-                <a16:creationId xmlns:a16="http://schemas.microsoft.com/office/drawing/2014/main" id="{E960658B-1A92-4044-90B1-AE61453453E2}"/>
+                <a16:creationId xmlns:a16="http://schemas.microsoft.com/office/drawing/2014/main" xmlns="" id="{E960658B-1A92-4044-90B1-AE61453453E2}"/>
               </a:ext>
             </a:extLst>
           </p:cNvPr>
@@ -12682,6 +12862,13 @@
   <p:clrMapOvr>
     <a:masterClrMapping/>
   </p:clrMapOvr>
+  <p:timing>
+    <p:tnLst>
+      <p:par>
+        <p:cTn id="1" dur="indefinite" restart="never" nodeType="tmRoot"/>
+      </p:par>
+    </p:tnLst>
+  </p:timing>
 </p:sld>
 </file>
 
@@ -12764,7 +12951,7 @@
           <p:cNvPr id="3" name="Imagen 2">
             <a:extLst>
               <a:ext uri="{FF2B5EF4-FFF2-40B4-BE49-F238E27FC236}">
-                <a16:creationId xmlns:a16="http://schemas.microsoft.com/office/drawing/2014/main" id="{AFFA60E0-6E3E-408A-8B45-EAD5F56EDCDE}"/>
+                <a16:creationId xmlns:a16="http://schemas.microsoft.com/office/drawing/2014/main" xmlns="" id="{AFFA60E0-6E3E-408A-8B45-EAD5F56EDCDE}"/>
               </a:ext>
             </a:extLst>
           </p:cNvPr>
@@ -12794,7 +12981,7 @@
           <p:cNvPr id="2" name="Imagen 1">
             <a:extLst>
               <a:ext uri="{FF2B5EF4-FFF2-40B4-BE49-F238E27FC236}">
-                <a16:creationId xmlns:a16="http://schemas.microsoft.com/office/drawing/2014/main" id="{89D7B4DF-C2B0-4AB9-B839-A9CFDA1B14C1}"/>
+                <a16:creationId xmlns:a16="http://schemas.microsoft.com/office/drawing/2014/main" xmlns="" id="{89D7B4DF-C2B0-4AB9-B839-A9CFDA1B14C1}"/>
               </a:ext>
             </a:extLst>
           </p:cNvPr>
@@ -12824,7 +13011,7 @@
           <p:cNvPr id="6" name="CuadroTexto 5">
             <a:extLst>
               <a:ext uri="{FF2B5EF4-FFF2-40B4-BE49-F238E27FC236}">
-                <a16:creationId xmlns:a16="http://schemas.microsoft.com/office/drawing/2014/main" id="{F21BDEAB-AB73-4941-B701-EF968AD88F7E}"/>
+                <a16:creationId xmlns:a16="http://schemas.microsoft.com/office/drawing/2014/main" xmlns="" id="{F21BDEAB-AB73-4941-B701-EF968AD88F7E}"/>
               </a:ext>
             </a:extLst>
           </p:cNvPr>
@@ -12932,7 +13119,7 @@
           <p:cNvPr id="7" name="Rectángulo 3">
             <a:extLst>
               <a:ext uri="{FF2B5EF4-FFF2-40B4-BE49-F238E27FC236}">
-                <a16:creationId xmlns:a16="http://schemas.microsoft.com/office/drawing/2014/main" id="{2FBB2A47-BA5F-47D6-BB52-6344F0968E53}"/>
+                <a16:creationId xmlns:a16="http://schemas.microsoft.com/office/drawing/2014/main" xmlns="" id="{2FBB2A47-BA5F-47D6-BB52-6344F0968E53}"/>
               </a:ext>
             </a:extLst>
           </p:cNvPr>
@@ -13015,6 +13202,13 @@
   <p:clrMapOvr>
     <a:masterClrMapping/>
   </p:clrMapOvr>
+  <p:timing>
+    <p:tnLst>
+      <p:par>
+        <p:cTn id="1" dur="indefinite" restart="never" nodeType="tmRoot"/>
+      </p:par>
+    </p:tnLst>
+  </p:timing>
 </p:sld>
 </file>
 
@@ -13097,7 +13291,7 @@
           <p:cNvPr id="2" name="Imagen 1">
             <a:extLst>
               <a:ext uri="{FF2B5EF4-FFF2-40B4-BE49-F238E27FC236}">
-                <a16:creationId xmlns:a16="http://schemas.microsoft.com/office/drawing/2014/main" id="{5594D11F-BBE6-4C7A-9FCD-46A66EA5F3A9}"/>
+                <a16:creationId xmlns:a16="http://schemas.microsoft.com/office/drawing/2014/main" xmlns="" id="{5594D11F-BBE6-4C7A-9FCD-46A66EA5F3A9}"/>
               </a:ext>
             </a:extLst>
           </p:cNvPr>
@@ -13127,7 +13321,7 @@
           <p:cNvPr id="3" name="Imagen 2">
             <a:extLst>
               <a:ext uri="{FF2B5EF4-FFF2-40B4-BE49-F238E27FC236}">
-                <a16:creationId xmlns:a16="http://schemas.microsoft.com/office/drawing/2014/main" id="{760CB31C-D08C-4E2E-97A8-8ED602FADFFB}"/>
+                <a16:creationId xmlns:a16="http://schemas.microsoft.com/office/drawing/2014/main" xmlns="" id="{760CB31C-D08C-4E2E-97A8-8ED602FADFFB}"/>
               </a:ext>
             </a:extLst>
           </p:cNvPr>
@@ -13157,7 +13351,7 @@
           <p:cNvPr id="4" name="CuadroTexto 3">
             <a:extLst>
               <a:ext uri="{FF2B5EF4-FFF2-40B4-BE49-F238E27FC236}">
-                <a16:creationId xmlns:a16="http://schemas.microsoft.com/office/drawing/2014/main" id="{8AAB9584-8228-42B1-84CC-B590C60137A0}"/>
+                <a16:creationId xmlns:a16="http://schemas.microsoft.com/office/drawing/2014/main" xmlns="" id="{8AAB9584-8228-42B1-84CC-B590C60137A0}"/>
               </a:ext>
             </a:extLst>
           </p:cNvPr>
@@ -13245,7 +13439,7 @@
           <p:cNvPr id="6" name="Rectángulo 3">
             <a:extLst>
               <a:ext uri="{FF2B5EF4-FFF2-40B4-BE49-F238E27FC236}">
-                <a16:creationId xmlns:a16="http://schemas.microsoft.com/office/drawing/2014/main" id="{21B07DDC-60E2-4F6A-8A35-8A27B0EBA663}"/>
+                <a16:creationId xmlns:a16="http://schemas.microsoft.com/office/drawing/2014/main" xmlns="" id="{21B07DDC-60E2-4F6A-8A35-8A27B0EBA663}"/>
               </a:ext>
             </a:extLst>
           </p:cNvPr>
@@ -13328,6 +13522,13 @@
   <p:clrMapOvr>
     <a:masterClrMapping/>
   </p:clrMapOvr>
+  <p:timing>
+    <p:tnLst>
+      <p:par>
+        <p:cTn id="1" dur="indefinite" restart="never" nodeType="tmRoot"/>
+      </p:par>
+    </p:tnLst>
+  </p:timing>
 </p:sld>
 </file>
 
@@ -13410,7 +13611,7 @@
           <p:cNvPr id="7" name="2 Marcador de contenido">
             <a:extLst>
               <a:ext uri="{FF2B5EF4-FFF2-40B4-BE49-F238E27FC236}">
-                <a16:creationId xmlns:a16="http://schemas.microsoft.com/office/drawing/2014/main" id="{CFA6B476-8B58-46FA-9EDF-33B8CCF8066E}"/>
+                <a16:creationId xmlns:a16="http://schemas.microsoft.com/office/drawing/2014/main" xmlns="" id="{CFA6B476-8B58-46FA-9EDF-33B8CCF8066E}"/>
               </a:ext>
             </a:extLst>
           </p:cNvPr>
@@ -13457,6 +13658,13 @@
   <p:clrMapOvr>
     <a:masterClrMapping/>
   </p:clrMapOvr>
+  <p:timing>
+    <p:tnLst>
+      <p:par>
+        <p:cTn id="1" dur="indefinite" restart="never" nodeType="tmRoot"/>
+      </p:par>
+    </p:tnLst>
+  </p:timing>
 </p:sld>
 </file>
 
@@ -13482,7 +13690,7 @@
           <p:cNvPr id="3" name="Imagen 2">
             <a:extLst>
               <a:ext uri="{FF2B5EF4-FFF2-40B4-BE49-F238E27FC236}">
-                <a16:creationId xmlns:a16="http://schemas.microsoft.com/office/drawing/2014/main" id="{0439F700-668E-49B8-AC2B-2D6088FD3112}"/>
+                <a16:creationId xmlns:a16="http://schemas.microsoft.com/office/drawing/2014/main" xmlns="" id="{0439F700-668E-49B8-AC2B-2D6088FD3112}"/>
               </a:ext>
             </a:extLst>
           </p:cNvPr>
@@ -13528,6 +13736,13 @@
   <p:clrMapOvr>
     <a:masterClrMapping/>
   </p:clrMapOvr>
+  <p:timing>
+    <p:tnLst>
+      <p:par>
+        <p:cTn id="1" dur="indefinite" restart="never" nodeType="tmRoot"/>
+      </p:par>
+    </p:tnLst>
+  </p:timing>
 </p:sld>
 </file>
 
@@ -13720,6 +13935,13 @@
   <p:clrMapOvr>
     <a:masterClrMapping/>
   </p:clrMapOvr>
+  <p:timing>
+    <p:tnLst>
+      <p:par>
+        <p:cTn id="1" dur="indefinite" restart="never" nodeType="tmRoot"/>
+      </p:par>
+    </p:tnLst>
+  </p:timing>
 </p:sld>
 </file>
 
@@ -13937,7 +14159,7 @@
           <p:cNvPr id="47" name="Imagen 46">
             <a:extLst>
               <a:ext uri="{FF2B5EF4-FFF2-40B4-BE49-F238E27FC236}">
-                <a16:creationId xmlns:a16="http://schemas.microsoft.com/office/drawing/2014/main" id="{38DC8850-C9BD-4D71-8901-F651172A1B2B}"/>
+                <a16:creationId xmlns:a16="http://schemas.microsoft.com/office/drawing/2014/main" xmlns="" id="{38DC8850-C9BD-4D71-8901-F651172A1B2B}"/>
               </a:ext>
             </a:extLst>
           </p:cNvPr>
@@ -13972,6 +14194,13 @@
   <p:clrMapOvr>
     <a:masterClrMapping/>
   </p:clrMapOvr>
+  <p:timing>
+    <p:tnLst>
+      <p:par>
+        <p:cTn id="1" dur="indefinite" restart="never" nodeType="tmRoot"/>
+      </p:par>
+    </p:tnLst>
+  </p:timing>
 </p:sld>
 </file>
 
@@ -14189,7 +14418,7 @@
           <p:cNvPr id="3" name="Imagen 2">
             <a:extLst>
               <a:ext uri="{FF2B5EF4-FFF2-40B4-BE49-F238E27FC236}">
-                <a16:creationId xmlns:a16="http://schemas.microsoft.com/office/drawing/2014/main" id="{F2C6AF15-8F82-4935-8244-C754F444AA06}"/>
+                <a16:creationId xmlns:a16="http://schemas.microsoft.com/office/drawing/2014/main" xmlns="" id="{F2C6AF15-8F82-4935-8244-C754F444AA06}"/>
               </a:ext>
             </a:extLst>
           </p:cNvPr>
@@ -14224,6 +14453,13 @@
   <p:clrMapOvr>
     <a:masterClrMapping/>
   </p:clrMapOvr>
+  <p:timing>
+    <p:tnLst>
+      <p:par>
+        <p:cTn id="1" dur="indefinite" restart="never" nodeType="tmRoot"/>
+      </p:par>
+    </p:tnLst>
+  </p:timing>
 </p:sld>
 </file>
 
@@ -14343,7 +14579,7 @@
           <p:cNvPr id="3" name="Imagen 2">
             <a:extLst>
               <a:ext uri="{FF2B5EF4-FFF2-40B4-BE49-F238E27FC236}">
-                <a16:creationId xmlns:a16="http://schemas.microsoft.com/office/drawing/2014/main" id="{EDB95C85-B18F-4A88-A19E-593F31160E89}"/>
+                <a16:creationId xmlns:a16="http://schemas.microsoft.com/office/drawing/2014/main" xmlns="" id="{EDB95C85-B18F-4A88-A19E-593F31160E89}"/>
               </a:ext>
             </a:extLst>
           </p:cNvPr>
@@ -14424,6 +14660,13 @@
   <p:clrMapOvr>
     <a:masterClrMapping/>
   </p:clrMapOvr>
+  <p:timing>
+    <p:tnLst>
+      <p:par>
+        <p:cTn id="1" dur="indefinite" restart="never" nodeType="tmRoot"/>
+      </p:par>
+    </p:tnLst>
+  </p:timing>
 </p:sld>
 </file>
 
@@ -14489,7 +14732,7 @@
           <p:cNvPr id="4" name="2 Marcador de contenido">
             <a:extLst>
               <a:ext uri="{FF2B5EF4-FFF2-40B4-BE49-F238E27FC236}">
-                <a16:creationId xmlns:a16="http://schemas.microsoft.com/office/drawing/2014/main" id="{A611C6E1-D136-4447-BF57-C60F06E0AE40}"/>
+                <a16:creationId xmlns:a16="http://schemas.microsoft.com/office/drawing/2014/main" xmlns="" id="{A611C6E1-D136-4447-BF57-C60F06E0AE40}"/>
               </a:ext>
             </a:extLst>
           </p:cNvPr>
@@ -14500,7 +14743,7 @@
         </p:nvSpPr>
         <p:spPr>
           <a:xfrm>
-            <a:off x="6614928" y="2506470"/>
+            <a:off x="854890" y="2506470"/>
             <a:ext cx="4463884" cy="2678746"/>
           </a:xfrm>
           <a:prstGeom prst="rect">
@@ -14760,16 +15003,37 @@
           <a:p>
             <a:pPr marL="514350" indent="-514350">
               <a:buFont typeface="+mj-lt"/>
-              <a:buAutoNum type="arabicPeriod" startAt="2"/>
+              <a:buAutoNum type="arabicPeriod"/>
             </a:pPr>
+            <a:r>
+              <a:rPr lang="es-419" sz="3000" dirty="0" smtClean="0">
+                <a:solidFill>
+                  <a:schemeClr val="tx1"/>
+                </a:solidFill>
+              </a:rPr>
+              <a:t>Optimización </a:t>
+            </a:r>
             <a:r>
               <a:rPr lang="es-419" sz="3000" dirty="0">
                 <a:solidFill>
                   <a:schemeClr val="tx1"/>
                 </a:solidFill>
               </a:rPr>
-              <a:t>Optimización de tiempos gracias a la transición de un proceso manual a uno sistematizado.</a:t>
-            </a:r>
+              <a:t>de tiempos gracias a la transición de un proceso manual a uno sistematizado</a:t>
+            </a:r>
+            <a:r>
+              <a:rPr lang="es-419" sz="3000" dirty="0" smtClean="0">
+                <a:solidFill>
+                  <a:schemeClr val="tx1"/>
+                </a:solidFill>
+              </a:rPr>
+              <a:t>.</a:t>
+            </a:r>
+            <a:endParaRPr lang="es-419" sz="3000" dirty="0">
+              <a:solidFill>
+                <a:schemeClr val="tx1"/>
+              </a:solidFill>
+            </a:endParaRPr>
           </a:p>
         </p:txBody>
       </p:sp>
@@ -14778,7 +15042,7 @@
           <p:cNvPr id="7" name="2 Marcador de contenido">
             <a:extLst>
               <a:ext uri="{FF2B5EF4-FFF2-40B4-BE49-F238E27FC236}">
-                <a16:creationId xmlns:a16="http://schemas.microsoft.com/office/drawing/2014/main" id="{E00C427B-FC33-473E-9700-F3F79A794317}"/>
+                <a16:creationId xmlns:a16="http://schemas.microsoft.com/office/drawing/2014/main" xmlns="" id="{E00C427B-FC33-473E-9700-F3F79A794317}"/>
               </a:ext>
             </a:extLst>
           </p:cNvPr>
@@ -14789,7 +15053,7 @@
         </p:nvSpPr>
         <p:spPr>
           <a:xfrm>
-            <a:off x="446044" y="1574599"/>
+            <a:off x="6268045" y="1574599"/>
             <a:ext cx="5239139" cy="3305815"/>
           </a:xfrm>
           <a:prstGeom prst="rect">
@@ -15060,7 +15324,7 @@
           <a:p>
             <a:pPr marL="514350" indent="-514350">
               <a:buFont typeface="+mj-lt"/>
-              <a:buAutoNum type="arabicPeriod"/>
+              <a:buAutoNum type="arabicPeriod" startAt="2"/>
             </a:pPr>
             <a:r>
               <a:rPr lang="es-419" sz="3000" dirty="0">
@@ -15078,7 +15342,7 @@
           <p:cNvPr id="9" name="Diagrama 8">
             <a:extLst>
               <a:ext uri="{FF2B5EF4-FFF2-40B4-BE49-F238E27FC236}">
-                <a16:creationId xmlns:a16="http://schemas.microsoft.com/office/drawing/2014/main" id="{9061BA0C-D94F-412A-A76C-1EA058643E1A}"/>
+                <a16:creationId xmlns:a16="http://schemas.microsoft.com/office/drawing/2014/main" xmlns="" id="{9061BA0C-D94F-412A-A76C-1EA058643E1A}"/>
               </a:ext>
             </a:extLst>
           </p:cNvPr>
@@ -15086,13 +15350,13 @@
           <p:nvPr>
             <p:extLst>
               <p:ext uri="{D42A27DB-BD31-4B8C-83A1-F6EECF244321}">
-                <p14:modId xmlns:p14="http://schemas.microsoft.com/office/powerpoint/2010/main" val="1537236717"/>
+                <p14:modId xmlns:p14="http://schemas.microsoft.com/office/powerpoint/2010/main" val="3390029082"/>
               </p:ext>
             </p:extLst>
           </p:nvPr>
         </p:nvGraphicFramePr>
         <p:xfrm>
-          <a:off x="1221296" y="3930475"/>
+          <a:off x="7043297" y="3930475"/>
           <a:ext cx="3337451" cy="1254741"/>
         </p:xfrm>
         <a:graphic>
@@ -15106,7 +15370,7 @@
           <p:cNvPr id="10" name="CuadroTexto 9">
             <a:extLst>
               <a:ext uri="{FF2B5EF4-FFF2-40B4-BE49-F238E27FC236}">
-                <a16:creationId xmlns:a16="http://schemas.microsoft.com/office/drawing/2014/main" id="{E9E52631-3661-4E86-B784-DB23475F14F6}"/>
+                <a16:creationId xmlns:a16="http://schemas.microsoft.com/office/drawing/2014/main" xmlns="" id="{E9E52631-3661-4E86-B784-DB23475F14F6}"/>
               </a:ext>
             </a:extLst>
           </p:cNvPr>
@@ -15115,7 +15379,7 @@
         </p:nvSpPr>
         <p:spPr>
           <a:xfrm>
-            <a:off x="1417984" y="4941872"/>
+            <a:off x="7239985" y="4941872"/>
             <a:ext cx="596348" cy="646331"/>
           </a:xfrm>
           <a:prstGeom prst="rect">
@@ -15142,7 +15406,7 @@
           <p:cNvPr id="11" name="CuadroTexto 10">
             <a:extLst>
               <a:ext uri="{FF2B5EF4-FFF2-40B4-BE49-F238E27FC236}">
-                <a16:creationId xmlns:a16="http://schemas.microsoft.com/office/drawing/2014/main" id="{D4065EBB-3EC6-444D-B62B-1D9C0124DDFC}"/>
+                <a16:creationId xmlns:a16="http://schemas.microsoft.com/office/drawing/2014/main" xmlns="" id="{D4065EBB-3EC6-444D-B62B-1D9C0124DDFC}"/>
               </a:ext>
             </a:extLst>
           </p:cNvPr>
@@ -15151,7 +15415,7 @@
         </p:nvSpPr>
         <p:spPr>
           <a:xfrm>
-            <a:off x="4128049" y="4940680"/>
+            <a:off x="9950050" y="4940680"/>
             <a:ext cx="596348" cy="646331"/>
           </a:xfrm>
           <a:prstGeom prst="rect">
@@ -15178,7 +15442,7 @@
           <p:cNvPr id="12" name="Rectángulo 11">
             <a:extLst>
               <a:ext uri="{FF2B5EF4-FFF2-40B4-BE49-F238E27FC236}">
-                <a16:creationId xmlns:a16="http://schemas.microsoft.com/office/drawing/2014/main" id="{0D787781-8039-4783-94B9-E570EFD37789}"/>
+                <a16:creationId xmlns:a16="http://schemas.microsoft.com/office/drawing/2014/main" xmlns="" id="{0D787781-8039-4783-94B9-E570EFD37789}"/>
               </a:ext>
             </a:extLst>
           </p:cNvPr>
@@ -15187,7 +15451,7 @@
         </p:nvSpPr>
         <p:spPr>
           <a:xfrm>
-            <a:off x="1113188" y="4779925"/>
+            <a:off x="6935189" y="4779925"/>
             <a:ext cx="404192" cy="923330"/>
           </a:xfrm>
           <a:prstGeom prst="rect">
@@ -15239,7 +15503,7 @@
           <p:cNvPr id="13" name="Rectángulo 12">
             <a:extLst>
               <a:ext uri="{FF2B5EF4-FFF2-40B4-BE49-F238E27FC236}">
-                <a16:creationId xmlns:a16="http://schemas.microsoft.com/office/drawing/2014/main" id="{448CF134-A030-404D-AE82-A3B7FDCF11CD}"/>
+                <a16:creationId xmlns:a16="http://schemas.microsoft.com/office/drawing/2014/main" xmlns="" id="{448CF134-A030-404D-AE82-A3B7FDCF11CD}"/>
               </a:ext>
             </a:extLst>
           </p:cNvPr>
@@ -15248,7 +15512,7 @@
         </p:nvSpPr>
         <p:spPr>
           <a:xfrm>
-            <a:off x="3829878" y="4781980"/>
+            <a:off x="9651879" y="4781980"/>
             <a:ext cx="404192" cy="923330"/>
           </a:xfrm>
           <a:prstGeom prst="rect">
@@ -15300,7 +15564,7 @@
           <p:cNvPr id="14" name="CuadroTexto 13">
             <a:extLst>
               <a:ext uri="{FF2B5EF4-FFF2-40B4-BE49-F238E27FC236}">
-                <a16:creationId xmlns:a16="http://schemas.microsoft.com/office/drawing/2014/main" id="{3C3DE3E5-EF67-414D-A92B-5F3F95C32AE2}"/>
+                <a16:creationId xmlns:a16="http://schemas.microsoft.com/office/drawing/2014/main" xmlns="" id="{3C3DE3E5-EF67-414D-A92B-5F3F95C32AE2}"/>
               </a:ext>
             </a:extLst>
           </p:cNvPr>
@@ -15309,7 +15573,7 @@
         </p:nvSpPr>
         <p:spPr>
           <a:xfrm>
-            <a:off x="2778426" y="4940679"/>
+            <a:off x="8600427" y="4940679"/>
             <a:ext cx="596348" cy="646331"/>
           </a:xfrm>
           <a:prstGeom prst="rect">
@@ -15336,7 +15600,7 @@
           <p:cNvPr id="15" name="CuadroTexto 14">
             <a:extLst>
               <a:ext uri="{FF2B5EF4-FFF2-40B4-BE49-F238E27FC236}">
-                <a16:creationId xmlns:a16="http://schemas.microsoft.com/office/drawing/2014/main" id="{39AF5102-71A9-4E9E-9867-B45F2F8D8B2F}"/>
+                <a16:creationId xmlns:a16="http://schemas.microsoft.com/office/drawing/2014/main" xmlns="" id="{39AF5102-71A9-4E9E-9867-B45F2F8D8B2F}"/>
               </a:ext>
             </a:extLst>
           </p:cNvPr>
@@ -15345,7 +15609,7 @@
         </p:nvSpPr>
         <p:spPr>
           <a:xfrm>
-            <a:off x="2774239" y="5587010"/>
+            <a:off x="8596240" y="5587010"/>
             <a:ext cx="596348" cy="646331"/>
           </a:xfrm>
           <a:prstGeom prst="rect">
@@ -15372,7 +15636,7 @@
           <p:cNvPr id="16" name="Rectángulo 15">
             <a:extLst>
               <a:ext uri="{FF2B5EF4-FFF2-40B4-BE49-F238E27FC236}">
-                <a16:creationId xmlns:a16="http://schemas.microsoft.com/office/drawing/2014/main" id="{22424A4A-47C0-4CF5-9119-EFD230EA4FCE}"/>
+                <a16:creationId xmlns:a16="http://schemas.microsoft.com/office/drawing/2014/main" xmlns="" id="{22424A4A-47C0-4CF5-9119-EFD230EA4FCE}"/>
               </a:ext>
             </a:extLst>
           </p:cNvPr>
@@ -15381,7 +15645,7 @@
         </p:nvSpPr>
         <p:spPr>
           <a:xfrm>
-            <a:off x="2483036" y="4802179"/>
+            <a:off x="8305037" y="4802179"/>
             <a:ext cx="404192" cy="923330"/>
           </a:xfrm>
           <a:prstGeom prst="rect">
@@ -15433,7 +15697,7 @@
           <p:cNvPr id="17" name="Rectángulo 16">
             <a:extLst>
               <a:ext uri="{FF2B5EF4-FFF2-40B4-BE49-F238E27FC236}">
-                <a16:creationId xmlns:a16="http://schemas.microsoft.com/office/drawing/2014/main" id="{851AE087-9FFB-4572-822E-7813393A4C23}"/>
+                <a16:creationId xmlns:a16="http://schemas.microsoft.com/office/drawing/2014/main" xmlns="" id="{851AE087-9FFB-4572-822E-7813393A4C23}"/>
               </a:ext>
             </a:extLst>
           </p:cNvPr>
@@ -15442,7 +15706,7 @@
         </p:nvSpPr>
         <p:spPr>
           <a:xfrm>
-            <a:off x="2438395" y="5448510"/>
+            <a:off x="8260396" y="5448510"/>
             <a:ext cx="404192" cy="923330"/>
           </a:xfrm>
           <a:prstGeom prst="rect">
@@ -15494,7 +15758,7 @@
           <p:cNvPr id="19" name="Conector recto 18">
             <a:extLst>
               <a:ext uri="{FF2B5EF4-FFF2-40B4-BE49-F238E27FC236}">
-                <a16:creationId xmlns:a16="http://schemas.microsoft.com/office/drawing/2014/main" id="{66234BE8-59A3-45A3-80DD-35589D1BA19F}"/>
+                <a16:creationId xmlns:a16="http://schemas.microsoft.com/office/drawing/2014/main" xmlns="" id="{66234BE8-59A3-45A3-80DD-35589D1BA19F}"/>
               </a:ext>
             </a:extLst>
           </p:cNvPr>
@@ -15503,7 +15767,7 @@
         </p:nvCxnSpPr>
         <p:spPr>
           <a:xfrm>
-            <a:off x="3538330" y="4557845"/>
+            <a:off x="9360331" y="4557845"/>
             <a:ext cx="0" cy="1352330"/>
           </a:xfrm>
           <a:prstGeom prst="line">
@@ -15538,7 +15802,7 @@
           <p:cNvPr id="20" name="Conector recto 19">
             <a:extLst>
               <a:ext uri="{FF2B5EF4-FFF2-40B4-BE49-F238E27FC236}">
-                <a16:creationId xmlns:a16="http://schemas.microsoft.com/office/drawing/2014/main" id="{81571157-7E16-4240-B5A2-22395F9C976C}"/>
+                <a16:creationId xmlns:a16="http://schemas.microsoft.com/office/drawing/2014/main" xmlns="" id="{81571157-7E16-4240-B5A2-22395F9C976C}"/>
               </a:ext>
             </a:extLst>
           </p:cNvPr>
@@ -15547,7 +15811,7 @@
         </p:nvCxnSpPr>
         <p:spPr>
           <a:xfrm>
-            <a:off x="2219739" y="4557845"/>
+            <a:off x="8041740" y="4557845"/>
             <a:ext cx="0" cy="1352330"/>
           </a:xfrm>
           <a:prstGeom prst="line">
@@ -15577,6 +15841,104 @@
           </a:fontRef>
         </p:style>
       </p:cxnSp>
+      <p:sp>
+        <p:nvSpPr>
+          <p:cNvPr id="3" name="Rectángulo 2"/>
+          <p:cNvSpPr/>
+          <p:nvPr/>
+        </p:nvSpPr>
+        <p:spPr>
+          <a:xfrm>
+            <a:off x="2242522" y="1855868"/>
+            <a:ext cx="2354299" cy="369332"/>
+          </a:xfrm>
+          <a:prstGeom prst="rect">
+            <a:avLst/>
+          </a:prstGeom>
+        </p:spPr>
+        <p:txBody>
+          <a:bodyPr wrap="none">
+            <a:spAutoFit/>
+          </a:bodyPr>
+          <a:lstStyle/>
+          <a:p>
+            <a:r>
+              <a:rPr lang="es-419" dirty="0">
+                <a:solidFill>
+                  <a:srgbClr val="FF0000"/>
+                </a:solidFill>
+              </a:rPr>
+              <a:t>(etapa inicial en 1 mes)</a:t>
+            </a:r>
+            <a:endParaRPr lang="es-CO" dirty="0">
+              <a:solidFill>
+                <a:srgbClr val="FF0000"/>
+              </a:solidFill>
+            </a:endParaRPr>
+          </a:p>
+        </p:txBody>
+      </p:sp>
+      <p:sp>
+        <p:nvSpPr>
+          <p:cNvPr id="5" name="Rectángulo 4"/>
+          <p:cNvSpPr/>
+          <p:nvPr/>
+        </p:nvSpPr>
+        <p:spPr>
+          <a:xfrm>
+            <a:off x="6379140" y="1678430"/>
+            <a:ext cx="5010026" cy="369332"/>
+          </a:xfrm>
+          <a:prstGeom prst="rect">
+            <a:avLst/>
+          </a:prstGeom>
+        </p:spPr>
+        <p:txBody>
+          <a:bodyPr wrap="none">
+            <a:spAutoFit/>
+          </a:bodyPr>
+          <a:lstStyle/>
+          <a:p>
+            <a:r>
+              <a:rPr lang="es-419" dirty="0">
+                <a:solidFill>
+                  <a:srgbClr val="FF0000"/>
+                </a:solidFill>
+              </a:rPr>
+              <a:t>(etapa </a:t>
+            </a:r>
+            <a:r>
+              <a:rPr lang="es-419" dirty="0" smtClean="0">
+                <a:solidFill>
+                  <a:srgbClr val="FF0000"/>
+                </a:solidFill>
+              </a:rPr>
+              <a:t>de modernización </a:t>
+            </a:r>
+            <a:r>
+              <a:rPr lang="es-419" dirty="0">
+                <a:solidFill>
+                  <a:srgbClr val="FF0000"/>
+                </a:solidFill>
+              </a:rPr>
+              <a:t>en </a:t>
+            </a:r>
+            <a:r>
+              <a:rPr lang="es-419" dirty="0" smtClean="0">
+                <a:solidFill>
+                  <a:srgbClr val="FF0000"/>
+                </a:solidFill>
+              </a:rPr>
+              <a:t>los 6 meses siguientes)</a:t>
+            </a:r>
+            <a:endParaRPr lang="es-CO" dirty="0">
+              <a:solidFill>
+                <a:srgbClr val="FF0000"/>
+              </a:solidFill>
+            </a:endParaRPr>
+          </a:p>
+        </p:txBody>
+      </p:sp>
     </p:spTree>
     <p:extLst>
       <p:ext uri="{BB962C8B-B14F-4D97-AF65-F5344CB8AC3E}">
@@ -15587,6 +15949,13 @@
   <p:clrMapOvr>
     <a:masterClrMapping/>
   </p:clrMapOvr>
+  <p:timing>
+    <p:tnLst>
+      <p:par>
+        <p:cTn id="1" dur="indefinite" restart="never" nodeType="tmRoot"/>
+      </p:par>
+    </p:tnLst>
+  </p:timing>
 </p:sld>
 </file>
 
@@ -15669,7 +16038,7 @@
           <p:cNvPr id="13" name="CuadroTexto 12">
             <a:extLst>
               <a:ext uri="{FF2B5EF4-FFF2-40B4-BE49-F238E27FC236}">
-                <a16:creationId xmlns:a16="http://schemas.microsoft.com/office/drawing/2014/main" id="{3F2E7F06-E0E9-42D7-B873-B00272A01662}"/>
+                <a16:creationId xmlns:a16="http://schemas.microsoft.com/office/drawing/2014/main" xmlns="" id="{3F2E7F06-E0E9-42D7-B873-B00272A01662}"/>
               </a:ext>
             </a:extLst>
           </p:cNvPr>
@@ -15730,7 +16099,7 @@
           <p:cNvPr id="2" name="Imagen 1">
             <a:extLst>
               <a:ext uri="{FF2B5EF4-FFF2-40B4-BE49-F238E27FC236}">
-                <a16:creationId xmlns:a16="http://schemas.microsoft.com/office/drawing/2014/main" id="{19F30440-8BF3-4C69-AB60-6C75D0834129}"/>
+                <a16:creationId xmlns:a16="http://schemas.microsoft.com/office/drawing/2014/main" xmlns="" id="{19F30440-8BF3-4C69-AB60-6C75D0834129}"/>
               </a:ext>
             </a:extLst>
           </p:cNvPr>
@@ -15760,7 +16129,7 @@
           <p:cNvPr id="4" name="Rectángulo 3">
             <a:extLst>
               <a:ext uri="{FF2B5EF4-FFF2-40B4-BE49-F238E27FC236}">
-                <a16:creationId xmlns:a16="http://schemas.microsoft.com/office/drawing/2014/main" id="{98C6D2FF-73C7-45F0-AF40-D8B561453775}"/>
+                <a16:creationId xmlns:a16="http://schemas.microsoft.com/office/drawing/2014/main" xmlns="" id="{98C6D2FF-73C7-45F0-AF40-D8B561453775}"/>
               </a:ext>
             </a:extLst>
           </p:cNvPr>
@@ -15862,6 +16231,13 @@
   <p:clrMapOvr>
     <a:masterClrMapping/>
   </p:clrMapOvr>
+  <p:timing>
+    <p:tnLst>
+      <p:par>
+        <p:cTn id="1" dur="indefinite" restart="never" nodeType="tmRoot"/>
+      </p:par>
+    </p:tnLst>
+  </p:timing>
 </p:sld>
 </file>
 
@@ -15887,7 +16263,7 @@
           <p:cNvPr id="3" name="Imagen 2">
             <a:extLst>
               <a:ext uri="{FF2B5EF4-FFF2-40B4-BE49-F238E27FC236}">
-                <a16:creationId xmlns:a16="http://schemas.microsoft.com/office/drawing/2014/main" id="{F72FC9F7-B4E2-4D4F-B4A2-E08C93BF4719}"/>
+                <a16:creationId xmlns:a16="http://schemas.microsoft.com/office/drawing/2014/main" xmlns="" id="{F72FC9F7-B4E2-4D4F-B4A2-E08C93BF4719}"/>
               </a:ext>
             </a:extLst>
           </p:cNvPr>
@@ -15917,7 +16293,7 @@
           <p:cNvPr id="13" name="CuadroTexto 12">
             <a:extLst>
               <a:ext uri="{FF2B5EF4-FFF2-40B4-BE49-F238E27FC236}">
-                <a16:creationId xmlns:a16="http://schemas.microsoft.com/office/drawing/2014/main" id="{3F2E7F06-E0E9-42D7-B873-B00272A01662}"/>
+                <a16:creationId xmlns:a16="http://schemas.microsoft.com/office/drawing/2014/main" xmlns="" id="{3F2E7F06-E0E9-42D7-B873-B00272A01662}"/>
               </a:ext>
             </a:extLst>
           </p:cNvPr>
@@ -15962,7 +16338,7 @@
           <p:cNvPr id="14" name="Rectángulo 13">
             <a:extLst>
               <a:ext uri="{FF2B5EF4-FFF2-40B4-BE49-F238E27FC236}">
-                <a16:creationId xmlns:a16="http://schemas.microsoft.com/office/drawing/2014/main" id="{143E2DD7-405B-4278-916C-98977E96D999}"/>
+                <a16:creationId xmlns:a16="http://schemas.microsoft.com/office/drawing/2014/main" xmlns="" id="{143E2DD7-405B-4278-916C-98977E96D999}"/>
               </a:ext>
             </a:extLst>
           </p:cNvPr>
@@ -16002,7 +16378,7 @@
           <p:cNvPr id="15" name="Rectángulo 14">
             <a:extLst>
               <a:ext uri="{FF2B5EF4-FFF2-40B4-BE49-F238E27FC236}">
-                <a16:creationId xmlns:a16="http://schemas.microsoft.com/office/drawing/2014/main" id="{3A18DFFA-50D8-4AF1-A372-33B2D5F7F121}"/>
+                <a16:creationId xmlns:a16="http://schemas.microsoft.com/office/drawing/2014/main" xmlns="" id="{3A18DFFA-50D8-4AF1-A372-33B2D5F7F121}"/>
               </a:ext>
             </a:extLst>
           </p:cNvPr>
@@ -16096,6 +16472,13 @@
   <p:clrMapOvr>
     <a:masterClrMapping/>
   </p:clrMapOvr>
+  <p:timing>
+    <p:tnLst>
+      <p:par>
+        <p:cTn id="1" dur="indefinite" restart="never" nodeType="tmRoot"/>
+      </p:par>
+    </p:tnLst>
+  </p:timing>
 </p:sld>
 </file>
 
@@ -16121,7 +16504,7 @@
           <p:cNvPr id="13" name="CuadroTexto 12">
             <a:extLst>
               <a:ext uri="{FF2B5EF4-FFF2-40B4-BE49-F238E27FC236}">
-                <a16:creationId xmlns:a16="http://schemas.microsoft.com/office/drawing/2014/main" id="{3F2E7F06-E0E9-42D7-B873-B00272A01662}"/>
+                <a16:creationId xmlns:a16="http://schemas.microsoft.com/office/drawing/2014/main" xmlns="" id="{3F2E7F06-E0E9-42D7-B873-B00272A01662}"/>
               </a:ext>
             </a:extLst>
           </p:cNvPr>
@@ -16166,7 +16549,7 @@
           <p:cNvPr id="14" name="Rectángulo 13">
             <a:extLst>
               <a:ext uri="{FF2B5EF4-FFF2-40B4-BE49-F238E27FC236}">
-                <a16:creationId xmlns:a16="http://schemas.microsoft.com/office/drawing/2014/main" id="{143E2DD7-405B-4278-916C-98977E96D999}"/>
+                <a16:creationId xmlns:a16="http://schemas.microsoft.com/office/drawing/2014/main" xmlns="" id="{143E2DD7-405B-4278-916C-98977E96D999}"/>
               </a:ext>
             </a:extLst>
           </p:cNvPr>
@@ -16249,7 +16632,7 @@
           <p:cNvPr id="2" name="Imagen 1">
             <a:extLst>
               <a:ext uri="{FF2B5EF4-FFF2-40B4-BE49-F238E27FC236}">
-                <a16:creationId xmlns:a16="http://schemas.microsoft.com/office/drawing/2014/main" id="{7A358020-C83A-4156-827E-90B8F6C33594}"/>
+                <a16:creationId xmlns:a16="http://schemas.microsoft.com/office/drawing/2014/main" xmlns="" id="{7A358020-C83A-4156-827E-90B8F6C33594}"/>
               </a:ext>
             </a:extLst>
           </p:cNvPr>
@@ -16284,6 +16667,13 @@
   <p:clrMapOvr>
     <a:masterClrMapping/>
   </p:clrMapOvr>
+  <p:timing>
+    <p:tnLst>
+      <p:par>
+        <p:cTn id="1" dur="indefinite" restart="never" nodeType="tmRoot"/>
+      </p:par>
+    </p:tnLst>
+  </p:timing>
 </p:sld>
 </file>
 
